--- a/Virtual Machines.pptx
+++ b/Virtual Machines.pptx
@@ -8,16 +8,15 @@
     <p:sldId id="256" r:id="rId2"/>
     <p:sldId id="257" r:id="rId3"/>
     <p:sldId id="258" r:id="rId4"/>
-    <p:sldId id="264" r:id="rId5"/>
-    <p:sldId id="259" r:id="rId6"/>
-    <p:sldId id="265" r:id="rId7"/>
-    <p:sldId id="261" r:id="rId8"/>
-    <p:sldId id="260" r:id="rId9"/>
-    <p:sldId id="268" r:id="rId10"/>
-    <p:sldId id="266" r:id="rId11"/>
-    <p:sldId id="262" r:id="rId12"/>
-    <p:sldId id="267" r:id="rId13"/>
-    <p:sldId id="263" r:id="rId14"/>
+    <p:sldId id="270" r:id="rId5"/>
+    <p:sldId id="261" r:id="rId6"/>
+    <p:sldId id="271" r:id="rId7"/>
+    <p:sldId id="264" r:id="rId8"/>
+    <p:sldId id="268" r:id="rId9"/>
+    <p:sldId id="266" r:id="rId10"/>
+    <p:sldId id="262" r:id="rId11"/>
+    <p:sldId id="267" r:id="rId12"/>
+    <p:sldId id="263" r:id="rId13"/>
   </p:sldIdLst>
   <p:sldSz cx="12192000" cy="6858000"/>
   <p:notesSz cx="6858000" cy="9144000"/>
@@ -271,7 +270,7 @@
           <a:p>
             <a:fld id="{7A22831D-9BE3-4963-9FA7-E13C8D8295A8}" type="datetimeFigureOut">
               <a:rPr lang="en-GB" smtClean="0"/>
-              <a:t>22/01/2024</a:t>
+              <a:t>23/01/2024</a:t>
             </a:fld>
             <a:endParaRPr lang="en-GB"/>
           </a:p>
@@ -469,7 +468,7 @@
           <a:p>
             <a:fld id="{7A22831D-9BE3-4963-9FA7-E13C8D8295A8}" type="datetimeFigureOut">
               <a:rPr lang="en-GB" smtClean="0"/>
-              <a:t>22/01/2024</a:t>
+              <a:t>23/01/2024</a:t>
             </a:fld>
             <a:endParaRPr lang="en-GB"/>
           </a:p>
@@ -677,7 +676,7 @@
           <a:p>
             <a:fld id="{7A22831D-9BE3-4963-9FA7-E13C8D8295A8}" type="datetimeFigureOut">
               <a:rPr lang="en-GB" smtClean="0"/>
-              <a:t>22/01/2024</a:t>
+              <a:t>23/01/2024</a:t>
             </a:fld>
             <a:endParaRPr lang="en-GB"/>
           </a:p>
@@ -875,7 +874,7 @@
           <a:p>
             <a:fld id="{7A22831D-9BE3-4963-9FA7-E13C8D8295A8}" type="datetimeFigureOut">
               <a:rPr lang="en-GB" smtClean="0"/>
-              <a:t>22/01/2024</a:t>
+              <a:t>23/01/2024</a:t>
             </a:fld>
             <a:endParaRPr lang="en-GB"/>
           </a:p>
@@ -1150,7 +1149,7 @@
           <a:p>
             <a:fld id="{7A22831D-9BE3-4963-9FA7-E13C8D8295A8}" type="datetimeFigureOut">
               <a:rPr lang="en-GB" smtClean="0"/>
-              <a:t>22/01/2024</a:t>
+              <a:t>23/01/2024</a:t>
             </a:fld>
             <a:endParaRPr lang="en-GB"/>
           </a:p>
@@ -1415,7 +1414,7 @@
           <a:p>
             <a:fld id="{7A22831D-9BE3-4963-9FA7-E13C8D8295A8}" type="datetimeFigureOut">
               <a:rPr lang="en-GB" smtClean="0"/>
-              <a:t>22/01/2024</a:t>
+              <a:t>23/01/2024</a:t>
             </a:fld>
             <a:endParaRPr lang="en-GB"/>
           </a:p>
@@ -1827,7 +1826,7 @@
           <a:p>
             <a:fld id="{7A22831D-9BE3-4963-9FA7-E13C8D8295A8}" type="datetimeFigureOut">
               <a:rPr lang="en-GB" smtClean="0"/>
-              <a:t>22/01/2024</a:t>
+              <a:t>23/01/2024</a:t>
             </a:fld>
             <a:endParaRPr lang="en-GB"/>
           </a:p>
@@ -1968,7 +1967,7 @@
           <a:p>
             <a:fld id="{7A22831D-9BE3-4963-9FA7-E13C8D8295A8}" type="datetimeFigureOut">
               <a:rPr lang="en-GB" smtClean="0"/>
-              <a:t>22/01/2024</a:t>
+              <a:t>23/01/2024</a:t>
             </a:fld>
             <a:endParaRPr lang="en-GB"/>
           </a:p>
@@ -2081,7 +2080,7 @@
           <a:p>
             <a:fld id="{7A22831D-9BE3-4963-9FA7-E13C8D8295A8}" type="datetimeFigureOut">
               <a:rPr lang="en-GB" smtClean="0"/>
-              <a:t>22/01/2024</a:t>
+              <a:t>23/01/2024</a:t>
             </a:fld>
             <a:endParaRPr lang="en-GB"/>
           </a:p>
@@ -2392,7 +2391,7 @@
           <a:p>
             <a:fld id="{7A22831D-9BE3-4963-9FA7-E13C8D8295A8}" type="datetimeFigureOut">
               <a:rPr lang="en-GB" smtClean="0"/>
-              <a:t>22/01/2024</a:t>
+              <a:t>23/01/2024</a:t>
             </a:fld>
             <a:endParaRPr lang="en-GB"/>
           </a:p>
@@ -2680,7 +2679,7 @@
           <a:p>
             <a:fld id="{7A22831D-9BE3-4963-9FA7-E13C8D8295A8}" type="datetimeFigureOut">
               <a:rPr lang="en-GB" smtClean="0"/>
-              <a:t>22/01/2024</a:t>
+              <a:t>23/01/2024</a:t>
             </a:fld>
             <a:endParaRPr lang="en-GB"/>
           </a:p>
@@ -2921,7 +2920,7 @@
           <a:p>
             <a:fld id="{7A22831D-9BE3-4963-9FA7-E13C8D8295A8}" type="datetimeFigureOut">
               <a:rPr lang="en-GB" smtClean="0"/>
-              <a:t>22/01/2024</a:t>
+              <a:t>23/01/2024</a:t>
             </a:fld>
             <a:endParaRPr lang="en-GB"/>
           </a:p>
@@ -3431,7 +3430,7 @@
           <p:cNvPr id="2" name="Title 1">
             <a:extLst>
               <a:ext uri="{FF2B5EF4-FFF2-40B4-BE49-F238E27FC236}">
-                <a16:creationId xmlns:a16="http://schemas.microsoft.com/office/drawing/2014/main" id="{2B2ADF13-05B1-DA71-5168-88B693F76849}"/>
+                <a16:creationId xmlns:a16="http://schemas.microsoft.com/office/drawing/2014/main" id="{4D1F8E91-31B9-41B9-F33F-84D02BA5CC73}"/>
               </a:ext>
             </a:extLst>
           </p:cNvPr>
@@ -3449,43 +3448,407 @@
           <a:p>
             <a:r>
               <a:rPr lang="en-US" dirty="0"/>
-              <a:t>Loading</a:t>
-            </a:r>
-            <a:r>
-              <a:rPr lang="en-US" b="1" dirty="0"/>
+              <a:t>Limitations</a:t>
+            </a:r>
+            <a:endParaRPr lang="en-GB" dirty="0"/>
+          </a:p>
+        </p:txBody>
+      </p:sp>
+      <p:sp>
+        <p:nvSpPr>
+          <p:cNvPr id="3" name="Content Placeholder 2">
+            <a:extLst>
+              <a:ext uri="{FF2B5EF4-FFF2-40B4-BE49-F238E27FC236}">
+                <a16:creationId xmlns:a16="http://schemas.microsoft.com/office/drawing/2014/main" id="{2652816E-5561-A85F-5276-6146BE968501}"/>
+              </a:ext>
+            </a:extLst>
+          </p:cNvPr>
+          <p:cNvSpPr>
+            <a:spLocks noGrp="1"/>
+          </p:cNvSpPr>
+          <p:nvPr>
+            <p:ph idx="1"/>
+          </p:nvPr>
+        </p:nvSpPr>
+        <p:spPr/>
+        <p:txBody>
+          <a:bodyPr/>
+          <a:lstStyle/>
+          <a:p>
+            <a:r>
+              <a:rPr lang="en-US" dirty="0"/>
+              <a:t>comparing or subtracting</a:t>
+            </a:r>
+          </a:p>
+          <a:p>
+            <a:r>
+              <a:rPr lang="en-US" dirty="0"/>
+              <a:t>bit shifting</a:t>
+            </a:r>
+          </a:p>
+          <a:p>
+            <a:r>
+              <a:rPr lang="en-US" dirty="0"/>
+              <a:t>text-based input/output</a:t>
+            </a:r>
+          </a:p>
+          <a:p>
+            <a:r>
+              <a:rPr lang="en-US" dirty="0"/>
+              <a:t>unsigned data</a:t>
+            </a:r>
+          </a:p>
+        </p:txBody>
+      </p:sp>
+    </p:spTree>
+    <p:extLst>
+      <p:ext uri="{BB962C8B-B14F-4D97-AF65-F5344CB8AC3E}">
+        <p14:creationId xmlns:p14="http://schemas.microsoft.com/office/powerpoint/2010/main" val="225081117"/>
+      </p:ext>
+    </p:extLst>
+  </p:cSld>
+  <p:clrMapOvr>
+    <a:masterClrMapping/>
+  </p:clrMapOvr>
+</p:sld>
+</file>
+
+<file path=ppt/slides/slide11.xml><?xml version="1.0" encoding="utf-8"?>
+<p:sld xmlns:a="http://schemas.openxmlformats.org/drawingml/2006/main" xmlns:r="http://schemas.openxmlformats.org/officeDocument/2006/relationships" xmlns:p="http://schemas.openxmlformats.org/presentationml/2006/main">
+  <p:cSld>
+    <p:spTree>
+      <p:nvGrpSpPr>
+        <p:cNvPr id="1" name=""/>
+        <p:cNvGrpSpPr/>
+        <p:nvPr/>
+      </p:nvGrpSpPr>
+      <p:grpSpPr>
+        <a:xfrm>
+          <a:off x="0" y="0"/>
+          <a:ext cx="0" cy="0"/>
+          <a:chOff x="0" y="0"/>
+          <a:chExt cx="0" cy="0"/>
+        </a:xfrm>
+      </p:grpSpPr>
+      <p:sp>
+        <p:nvSpPr>
+          <p:cNvPr id="2" name="Title 1">
+            <a:extLst>
+              <a:ext uri="{FF2B5EF4-FFF2-40B4-BE49-F238E27FC236}">
+                <a16:creationId xmlns:a16="http://schemas.microsoft.com/office/drawing/2014/main" id="{C2539293-3CFC-FD83-FD72-ED5821226013}"/>
+              </a:ext>
+            </a:extLst>
+          </p:cNvPr>
+          <p:cNvSpPr>
+            <a:spLocks noGrp="1"/>
+          </p:cNvSpPr>
+          <p:nvPr>
+            <p:ph type="title"/>
+          </p:nvPr>
+        </p:nvSpPr>
+        <p:spPr/>
+        <p:txBody>
+          <a:bodyPr/>
+          <a:lstStyle/>
+          <a:p>
+            <a:r>
+              <a:rPr lang="en-US" dirty="0"/>
+              <a:t>Resources Used</a:t>
+            </a:r>
+            <a:endParaRPr lang="en-GB" dirty="0"/>
+          </a:p>
+        </p:txBody>
+      </p:sp>
+      <p:sp>
+        <p:nvSpPr>
+          <p:cNvPr id="3" name="Content Placeholder 2">
+            <a:extLst>
+              <a:ext uri="{FF2B5EF4-FFF2-40B4-BE49-F238E27FC236}">
+                <a16:creationId xmlns:a16="http://schemas.microsoft.com/office/drawing/2014/main" id="{B13732F1-C855-C16F-5183-E7EBBFB8DC56}"/>
+              </a:ext>
+            </a:extLst>
+          </p:cNvPr>
+          <p:cNvSpPr>
+            <a:spLocks noGrp="1"/>
+          </p:cNvSpPr>
+          <p:nvPr>
+            <p:ph idx="1"/>
+          </p:nvPr>
+        </p:nvSpPr>
+        <p:spPr/>
+        <p:txBody>
+          <a:bodyPr/>
+          <a:lstStyle/>
+          <a:p>
+            <a:r>
+              <a:rPr lang="en-GB" b="1" dirty="0"/>
+              <a:t>LC-3 details: </a:t>
+            </a:r>
+            <a:r>
+              <a:rPr lang="en-GB" dirty="0">
+                <a:hlinkClick r:id="rId2"/>
+              </a:rPr>
+              <a:t>https://www.jmeiners.com/lc3-vm/supplies/lc3-isa.pdf</a:t>
+            </a:r>
+            <a:endParaRPr lang="en-GB" dirty="0"/>
+          </a:p>
+          <a:p>
+            <a:r>
+              <a:rPr lang="en-GB" b="1" dirty="0"/>
+              <a:t>assembler:</a:t>
+            </a:r>
+            <a:r>
+              <a:rPr lang="en-GB" dirty="0"/>
+              <a:t>   </a:t>
+            </a:r>
+            <a:r>
+              <a:rPr lang="en-GB" dirty="0">
+                <a:hlinkClick r:id="rId3"/>
+              </a:rPr>
+              <a:t>https://wchargin.com/lc3web/</a:t>
+            </a:r>
+            <a:endParaRPr lang="en-GB" dirty="0"/>
+          </a:p>
+        </p:txBody>
+      </p:sp>
+    </p:spTree>
+    <p:extLst>
+      <p:ext uri="{BB962C8B-B14F-4D97-AF65-F5344CB8AC3E}">
+        <p14:creationId xmlns:p14="http://schemas.microsoft.com/office/powerpoint/2010/main" val="3237193649"/>
+      </p:ext>
+    </p:extLst>
+  </p:cSld>
+  <p:clrMapOvr>
+    <a:masterClrMapping/>
+  </p:clrMapOvr>
+</p:sld>
+</file>
+
+<file path=ppt/slides/slide12.xml><?xml version="1.0" encoding="utf-8"?>
+<p:sld xmlns:a="http://schemas.openxmlformats.org/drawingml/2006/main" xmlns:r="http://schemas.openxmlformats.org/officeDocument/2006/relationships" xmlns:p="http://schemas.openxmlformats.org/presentationml/2006/main">
+  <p:cSld>
+    <p:spTree>
+      <p:nvGrpSpPr>
+        <p:cNvPr id="1" name=""/>
+        <p:cNvGrpSpPr/>
+        <p:nvPr/>
+      </p:nvGrpSpPr>
+      <p:grpSpPr>
+        <a:xfrm>
+          <a:off x="0" y="0"/>
+          <a:ext cx="0" cy="0"/>
+          <a:chOff x="0" y="0"/>
+          <a:chExt cx="0" cy="0"/>
+        </a:xfrm>
+      </p:grpSpPr>
+      <p:sp>
+        <p:nvSpPr>
+          <p:cNvPr id="2" name="Title 1">
+            <a:extLst>
+              <a:ext uri="{FF2B5EF4-FFF2-40B4-BE49-F238E27FC236}">
+                <a16:creationId xmlns:a16="http://schemas.microsoft.com/office/drawing/2014/main" id="{BFEACB12-C6A1-D4CD-B6EE-2E92F0F85C43}"/>
+              </a:ext>
+            </a:extLst>
+          </p:cNvPr>
+          <p:cNvSpPr>
+            <a:spLocks noGrp="1"/>
+          </p:cNvSpPr>
+          <p:nvPr>
+            <p:ph type="title"/>
+          </p:nvPr>
+        </p:nvSpPr>
+        <p:spPr/>
+        <p:txBody>
+          <a:bodyPr/>
+          <a:lstStyle/>
+          <a:p>
+            <a:r>
+              <a:rPr lang="en-US" dirty="0"/>
+              <a:t>Questions?</a:t>
+            </a:r>
+            <a:endParaRPr lang="en-GB" dirty="0"/>
+          </a:p>
+        </p:txBody>
+      </p:sp>
+      <p:sp>
+        <p:nvSpPr>
+          <p:cNvPr id="5" name="Content Placeholder 4">
+            <a:extLst>
+              <a:ext uri="{FF2B5EF4-FFF2-40B4-BE49-F238E27FC236}">
+                <a16:creationId xmlns:a16="http://schemas.microsoft.com/office/drawing/2014/main" id="{78048E5B-2F2C-3F7D-2C2A-5C3F45B04B1E}"/>
+              </a:ext>
+            </a:extLst>
+          </p:cNvPr>
+          <p:cNvSpPr>
+            <a:spLocks noGrp="1"/>
+          </p:cNvSpPr>
+          <p:nvPr>
+            <p:ph idx="1"/>
+          </p:nvPr>
+        </p:nvSpPr>
+        <p:spPr/>
+        <p:txBody>
+          <a:bodyPr/>
+          <a:lstStyle/>
+          <a:p>
+            <a:endParaRPr lang="nl-NL" dirty="0"/>
+          </a:p>
+        </p:txBody>
+      </p:sp>
+    </p:spTree>
+    <p:extLst>
+      <p:ext uri="{BB962C8B-B14F-4D97-AF65-F5344CB8AC3E}">
+        <p14:creationId xmlns:p14="http://schemas.microsoft.com/office/powerpoint/2010/main" val="3569390642"/>
+      </p:ext>
+    </p:extLst>
+  </p:cSld>
+  <p:clrMapOvr>
+    <a:masterClrMapping/>
+  </p:clrMapOvr>
+</p:sld>
+</file>
+
+<file path=ppt/slides/slide2.xml><?xml version="1.0" encoding="utf-8"?>
+<p:sld xmlns:a="http://schemas.openxmlformats.org/drawingml/2006/main" xmlns:r="http://schemas.openxmlformats.org/officeDocument/2006/relationships" xmlns:p="http://schemas.openxmlformats.org/presentationml/2006/main">
+  <p:cSld>
+    <p:spTree>
+      <p:nvGrpSpPr>
+        <p:cNvPr id="1" name=""/>
+        <p:cNvGrpSpPr/>
+        <p:nvPr/>
+      </p:nvGrpSpPr>
+      <p:grpSpPr>
+        <a:xfrm>
+          <a:off x="0" y="0"/>
+          <a:ext cx="0" cy="0"/>
+          <a:chOff x="0" y="0"/>
+          <a:chExt cx="0" cy="0"/>
+        </a:xfrm>
+      </p:grpSpPr>
+      <p:sp>
+        <p:nvSpPr>
+          <p:cNvPr id="2" name="Title 1">
+            <a:extLst>
+              <a:ext uri="{FF2B5EF4-FFF2-40B4-BE49-F238E27FC236}">
+                <a16:creationId xmlns:a16="http://schemas.microsoft.com/office/drawing/2014/main" id="{236B5B77-3509-0FA9-3CF6-79FFCA293B69}"/>
+              </a:ext>
+            </a:extLst>
+          </p:cNvPr>
+          <p:cNvSpPr>
+            <a:spLocks noGrp="1"/>
+          </p:cNvSpPr>
+          <p:nvPr>
+            <p:ph type="title"/>
+          </p:nvPr>
+        </p:nvSpPr>
+        <p:spPr/>
+        <p:txBody>
+          <a:bodyPr/>
+          <a:lstStyle/>
+          <a:p>
+            <a:r>
+              <a:rPr lang="nl-NL" dirty="0"/>
+              <a:t>Little Computer 3 (LC-3)</a:t>
+            </a:r>
+            <a:endParaRPr lang="en-GB" dirty="0"/>
+          </a:p>
+        </p:txBody>
+      </p:sp>
+      <p:sp>
+        <p:nvSpPr>
+          <p:cNvPr id="3" name="Content Placeholder 2">
+            <a:extLst>
+              <a:ext uri="{FF2B5EF4-FFF2-40B4-BE49-F238E27FC236}">
+                <a16:creationId xmlns:a16="http://schemas.microsoft.com/office/drawing/2014/main" id="{42725936-61EC-EABC-6C41-CE9FF89E97B2}"/>
+              </a:ext>
+            </a:extLst>
+          </p:cNvPr>
+          <p:cNvSpPr>
+            <a:spLocks noGrp="1"/>
+          </p:cNvSpPr>
+          <p:nvPr>
+            <p:ph idx="1"/>
+          </p:nvPr>
+        </p:nvSpPr>
+        <p:spPr>
+          <a:xfrm>
+            <a:off x="838200" y="1825624"/>
+            <a:ext cx="10515600" cy="4486275"/>
+          </a:xfrm>
+        </p:spPr>
+        <p:txBody>
+          <a:bodyPr/>
+          <a:lstStyle/>
+          <a:p>
+            <a:r>
+              <a:rPr lang="en-GB" dirty="0"/>
+              <a:t>an educational</a:t>
+            </a:r>
+            <a:r>
+              <a:rPr lang="nl-NL" dirty="0"/>
               <a:t> </a:t>
             </a:r>
             <a:r>
-              <a:rPr lang="en-US" dirty="0"/>
-              <a:t>Object</a:t>
-            </a:r>
-            <a:r>
-              <a:rPr lang="en-US" b="1" dirty="0"/>
+              <a:rPr lang="nl-NL" dirty="0" err="1"/>
+              <a:t>architecture</a:t>
+            </a:r>
+            <a:endParaRPr lang="nl-NL" dirty="0"/>
+          </a:p>
+          <a:p>
+            <a:r>
+              <a:rPr lang="nl-NL" dirty="0" err="1"/>
+              <a:t>minimal</a:t>
+            </a:r>
+            <a:r>
+              <a:rPr lang="nl-NL" dirty="0"/>
               <a:t> </a:t>
             </a:r>
             <a:r>
-              <a:rPr lang="en-US" dirty="0"/>
-              <a:t>Files</a:t>
-            </a:r>
+              <a:rPr lang="nl-NL" dirty="0" err="1"/>
+              <a:t>instruction</a:t>
+            </a:r>
+            <a:r>
+              <a:rPr lang="nl-NL" dirty="0"/>
+              <a:t> set</a:t>
+            </a:r>
+          </a:p>
+          <a:p>
+            <a:r>
+              <a:rPr lang="nl-NL" dirty="0"/>
+              <a:t>registers</a:t>
+            </a:r>
+          </a:p>
+          <a:p>
+            <a:r>
+              <a:rPr lang="nl-NL" dirty="0" err="1"/>
+              <a:t>conditional</a:t>
+            </a:r>
+            <a:r>
+              <a:rPr lang="nl-NL" dirty="0"/>
+              <a:t> codes</a:t>
+            </a:r>
+          </a:p>
+          <a:p>
+            <a:endParaRPr lang="nl-NL" dirty="0"/>
+          </a:p>
+          <a:p>
             <a:endParaRPr lang="en-GB" dirty="0"/>
           </a:p>
         </p:txBody>
       </p:sp>
       <p:pic>
         <p:nvPicPr>
-          <p:cNvPr id="6" name="Content Placeholder 5">
-            <a:extLst>
-              <a:ext uri="{FF2B5EF4-FFF2-40B4-BE49-F238E27FC236}">
-                <a16:creationId xmlns:a16="http://schemas.microsoft.com/office/drawing/2014/main" id="{6F7540E2-3D57-CDF4-1DAA-29A1A3B7D439}"/>
+          <p:cNvPr id="5" name="Picture 4">
+            <a:extLst>
+              <a:ext uri="{FF2B5EF4-FFF2-40B4-BE49-F238E27FC236}">
+                <a16:creationId xmlns:a16="http://schemas.microsoft.com/office/drawing/2014/main" id="{66DCD9F8-0B9B-82BE-9B1A-5AF04CFCE142}"/>
               </a:ext>
             </a:extLst>
           </p:cNvPr>
           <p:cNvPicPr>
-            <a:picLocks noGrp="1" noChangeAspect="1"/>
+            <a:picLocks noChangeAspect="1"/>
           </p:cNvPicPr>
-          <p:nvPr>
-            <p:ph idx="1"/>
-          </p:nvPr>
+          <p:nvPr/>
         </p:nvPicPr>
         <p:blipFill>
           <a:blip r:embed="rId2"/>
@@ -3495,7 +3858,1210 @@
         </p:blipFill>
         <p:spPr>
           <a:xfrm>
-            <a:off x="7884952" y="1690688"/>
+            <a:off x="6640982" y="1337827"/>
+            <a:ext cx="5421709" cy="5353273"/>
+          </a:xfrm>
+          <a:prstGeom prst="rect">
+            <a:avLst/>
+          </a:prstGeom>
+        </p:spPr>
+      </p:pic>
+    </p:spTree>
+    <p:extLst>
+      <p:ext uri="{BB962C8B-B14F-4D97-AF65-F5344CB8AC3E}">
+        <p14:creationId xmlns:p14="http://schemas.microsoft.com/office/powerpoint/2010/main" val="642736614"/>
+      </p:ext>
+    </p:extLst>
+  </p:cSld>
+  <p:clrMapOvr>
+    <a:masterClrMapping/>
+  </p:clrMapOvr>
+</p:sld>
+</file>
+
+<file path=ppt/slides/slide3.xml><?xml version="1.0" encoding="utf-8"?>
+<p:sld xmlns:a="http://schemas.openxmlformats.org/drawingml/2006/main" xmlns:r="http://schemas.openxmlformats.org/officeDocument/2006/relationships" xmlns:p="http://schemas.openxmlformats.org/presentationml/2006/main">
+  <p:cSld>
+    <p:spTree>
+      <p:nvGrpSpPr>
+        <p:cNvPr id="1" name=""/>
+        <p:cNvGrpSpPr/>
+        <p:nvPr/>
+      </p:nvGrpSpPr>
+      <p:grpSpPr>
+        <a:xfrm>
+          <a:off x="0" y="0"/>
+          <a:ext cx="0" cy="0"/>
+          <a:chOff x="0" y="0"/>
+          <a:chExt cx="0" cy="0"/>
+        </a:xfrm>
+      </p:grpSpPr>
+      <p:sp>
+        <p:nvSpPr>
+          <p:cNvPr id="2" name="Title 1">
+            <a:extLst>
+              <a:ext uri="{FF2B5EF4-FFF2-40B4-BE49-F238E27FC236}">
+                <a16:creationId xmlns:a16="http://schemas.microsoft.com/office/drawing/2014/main" id="{A3AC963A-467F-B6A6-87CC-9B9F60861278}"/>
+              </a:ext>
+            </a:extLst>
+          </p:cNvPr>
+          <p:cNvSpPr>
+            <a:spLocks noGrp="1"/>
+          </p:cNvSpPr>
+          <p:nvPr>
+            <p:ph type="title"/>
+          </p:nvPr>
+        </p:nvSpPr>
+        <p:spPr/>
+        <p:txBody>
+          <a:bodyPr/>
+          <a:lstStyle/>
+          <a:p>
+            <a:r>
+              <a:rPr lang="nl-NL" dirty="0"/>
+              <a:t>Memory</a:t>
+            </a:r>
+            <a:endParaRPr lang="en-GB" dirty="0"/>
+          </a:p>
+        </p:txBody>
+      </p:sp>
+      <p:sp>
+        <p:nvSpPr>
+          <p:cNvPr id="3" name="Content Placeholder 2">
+            <a:extLst>
+              <a:ext uri="{FF2B5EF4-FFF2-40B4-BE49-F238E27FC236}">
+                <a16:creationId xmlns:a16="http://schemas.microsoft.com/office/drawing/2014/main" id="{E74205FC-A804-7918-7B81-870BC1B9AFC5}"/>
+              </a:ext>
+            </a:extLst>
+          </p:cNvPr>
+          <p:cNvSpPr>
+            <a:spLocks noGrp="1"/>
+          </p:cNvSpPr>
+          <p:nvPr>
+            <p:ph idx="1"/>
+          </p:nvPr>
+        </p:nvSpPr>
+        <p:spPr/>
+        <p:txBody>
+          <a:bodyPr/>
+          <a:lstStyle/>
+          <a:p>
+            <a:r>
+              <a:rPr lang="en-US" dirty="0"/>
+              <a:t>16-bit addressable memory</a:t>
+            </a:r>
+          </a:p>
+          <a:p>
+            <a:r>
+              <a:rPr lang="en-US" dirty="0"/>
+              <a:t>little-endian</a:t>
+            </a:r>
+          </a:p>
+          <a:p>
+            <a:r>
+              <a:rPr lang="en-US" dirty="0"/>
+              <a:t>memory mapped IO</a:t>
+            </a:r>
+          </a:p>
+          <a:p>
+            <a:r>
+              <a:rPr lang="en-US" dirty="0"/>
+              <a:t>two’s complement</a:t>
+            </a:r>
+          </a:p>
+          <a:p>
+            <a:endParaRPr lang="en-US" dirty="0"/>
+          </a:p>
+        </p:txBody>
+      </p:sp>
+      <p:pic>
+        <p:nvPicPr>
+          <p:cNvPr id="7" name="Picture 6">
+            <a:extLst>
+              <a:ext uri="{FF2B5EF4-FFF2-40B4-BE49-F238E27FC236}">
+                <a16:creationId xmlns:a16="http://schemas.microsoft.com/office/drawing/2014/main" id="{8CF2A95F-5263-6545-A81D-2ED34C8AEA4E}"/>
+              </a:ext>
+            </a:extLst>
+          </p:cNvPr>
+          <p:cNvPicPr>
+            <a:picLocks noChangeAspect="1"/>
+          </p:cNvPicPr>
+          <p:nvPr/>
+        </p:nvPicPr>
+        <p:blipFill>
+          <a:blip r:embed="rId2"/>
+          <a:stretch>
+            <a:fillRect/>
+          </a:stretch>
+        </p:blipFill>
+        <p:spPr>
+          <a:xfrm>
+            <a:off x="7894515" y="775534"/>
+            <a:ext cx="3896269" cy="5401429"/>
+          </a:xfrm>
+          <a:prstGeom prst="rect">
+            <a:avLst/>
+          </a:prstGeom>
+        </p:spPr>
+      </p:pic>
+    </p:spTree>
+    <p:extLst>
+      <p:ext uri="{BB962C8B-B14F-4D97-AF65-F5344CB8AC3E}">
+        <p14:creationId xmlns:p14="http://schemas.microsoft.com/office/powerpoint/2010/main" val="2354302716"/>
+      </p:ext>
+    </p:extLst>
+  </p:cSld>
+  <p:clrMapOvr>
+    <a:masterClrMapping/>
+  </p:clrMapOvr>
+</p:sld>
+</file>
+
+<file path=ppt/slides/slide4.xml><?xml version="1.0" encoding="utf-8"?>
+<p:sld xmlns:a="http://schemas.openxmlformats.org/drawingml/2006/main" xmlns:r="http://schemas.openxmlformats.org/officeDocument/2006/relationships" xmlns:p="http://schemas.openxmlformats.org/presentationml/2006/main">
+  <p:cSld>
+    <p:spTree>
+      <p:nvGrpSpPr>
+        <p:cNvPr id="1" name=""/>
+        <p:cNvGrpSpPr/>
+        <p:nvPr/>
+      </p:nvGrpSpPr>
+      <p:grpSpPr>
+        <a:xfrm>
+          <a:off x="0" y="0"/>
+          <a:ext cx="0" cy="0"/>
+          <a:chOff x="0" y="0"/>
+          <a:chExt cx="0" cy="0"/>
+        </a:xfrm>
+      </p:grpSpPr>
+      <p:sp>
+        <p:nvSpPr>
+          <p:cNvPr id="2" name="Title 1">
+            <a:extLst>
+              <a:ext uri="{FF2B5EF4-FFF2-40B4-BE49-F238E27FC236}">
+                <a16:creationId xmlns:a16="http://schemas.microsoft.com/office/drawing/2014/main" id="{2D818DFE-B6C0-9271-E049-2784398D3C4A}"/>
+              </a:ext>
+            </a:extLst>
+          </p:cNvPr>
+          <p:cNvSpPr>
+            <a:spLocks noGrp="1"/>
+          </p:cNvSpPr>
+          <p:nvPr>
+            <p:ph type="title"/>
+          </p:nvPr>
+        </p:nvSpPr>
+        <p:spPr/>
+        <p:txBody>
+          <a:bodyPr/>
+          <a:lstStyle/>
+          <a:p>
+            <a:r>
+              <a:rPr lang="nl-NL" dirty="0" err="1"/>
+              <a:t>Instruction</a:t>
+            </a:r>
+            <a:r>
+              <a:rPr lang="nl-NL" dirty="0"/>
+              <a:t> </a:t>
+            </a:r>
+            <a:r>
+              <a:rPr lang="nl-NL" dirty="0" err="1"/>
+              <a:t>Encoding</a:t>
+            </a:r>
+            <a:endParaRPr lang="en-GB" dirty="0"/>
+          </a:p>
+        </p:txBody>
+      </p:sp>
+      <p:sp>
+        <p:nvSpPr>
+          <p:cNvPr id="3" name="Content Placeholder 2">
+            <a:extLst>
+              <a:ext uri="{FF2B5EF4-FFF2-40B4-BE49-F238E27FC236}">
+                <a16:creationId xmlns:a16="http://schemas.microsoft.com/office/drawing/2014/main" id="{1E35AD60-4930-3E3E-800E-84AA6CBA0A7A}"/>
+              </a:ext>
+            </a:extLst>
+          </p:cNvPr>
+          <p:cNvSpPr>
+            <a:spLocks noGrp="1"/>
+          </p:cNvSpPr>
+          <p:nvPr>
+            <p:ph idx="1"/>
+          </p:nvPr>
+        </p:nvSpPr>
+        <p:spPr>
+          <a:xfrm>
+            <a:off x="838200" y="1825625"/>
+            <a:ext cx="5529044" cy="4351338"/>
+          </a:xfrm>
+        </p:spPr>
+        <p:txBody>
+          <a:bodyPr/>
+          <a:lstStyle/>
+          <a:p>
+            <a:r>
+              <a:rPr lang="en-GB" dirty="0"/>
+              <a:t>4-bit wide opcodes</a:t>
+            </a:r>
+          </a:p>
+          <a:p>
+            <a:r>
+              <a:rPr lang="en-GB" dirty="0"/>
+              <a:t>same operation, multiple encoding</a:t>
+            </a:r>
+          </a:p>
+          <a:p>
+            <a:r>
+              <a:rPr lang="en-GB" dirty="0"/>
+              <a:t>components have constant position and size</a:t>
+            </a:r>
+          </a:p>
+        </p:txBody>
+      </p:sp>
+      <p:pic>
+        <p:nvPicPr>
+          <p:cNvPr id="4" name="Content Placeholder 10">
+            <a:extLst>
+              <a:ext uri="{FF2B5EF4-FFF2-40B4-BE49-F238E27FC236}">
+                <a16:creationId xmlns:a16="http://schemas.microsoft.com/office/drawing/2014/main" id="{6FA270B4-02A3-7322-4ADB-FA87C6DD76E3}"/>
+              </a:ext>
+            </a:extLst>
+          </p:cNvPr>
+          <p:cNvPicPr>
+            <a:picLocks noChangeAspect="1"/>
+          </p:cNvPicPr>
+          <p:nvPr/>
+        </p:nvPicPr>
+        <p:blipFill>
+          <a:blip r:embed="rId2"/>
+          <a:stretch>
+            <a:fillRect/>
+          </a:stretch>
+        </p:blipFill>
+        <p:spPr>
+          <a:xfrm>
+            <a:off x="8780477" y="1530456"/>
+            <a:ext cx="3115020" cy="4941676"/>
+          </a:xfrm>
+          <a:prstGeom prst="rect">
+            <a:avLst/>
+          </a:prstGeom>
+        </p:spPr>
+      </p:pic>
+    </p:spTree>
+    <p:extLst>
+      <p:ext uri="{BB962C8B-B14F-4D97-AF65-F5344CB8AC3E}">
+        <p14:creationId xmlns:p14="http://schemas.microsoft.com/office/powerpoint/2010/main" val="3267529314"/>
+      </p:ext>
+    </p:extLst>
+  </p:cSld>
+  <p:clrMapOvr>
+    <a:masterClrMapping/>
+  </p:clrMapOvr>
+</p:sld>
+</file>
+
+<file path=ppt/slides/slide5.xml><?xml version="1.0" encoding="utf-8"?>
+<p:sld xmlns:a="http://schemas.openxmlformats.org/drawingml/2006/main" xmlns:r="http://schemas.openxmlformats.org/officeDocument/2006/relationships" xmlns:p="http://schemas.openxmlformats.org/presentationml/2006/main">
+  <p:cSld>
+    <p:spTree>
+      <p:nvGrpSpPr>
+        <p:cNvPr id="1" name=""/>
+        <p:cNvGrpSpPr/>
+        <p:nvPr/>
+      </p:nvGrpSpPr>
+      <p:grpSpPr>
+        <a:xfrm>
+          <a:off x="0" y="0"/>
+          <a:ext cx="0" cy="0"/>
+          <a:chOff x="0" y="0"/>
+          <a:chExt cx="0" cy="0"/>
+        </a:xfrm>
+      </p:grpSpPr>
+      <p:sp>
+        <p:nvSpPr>
+          <p:cNvPr id="2" name="Title 1">
+            <a:extLst>
+              <a:ext uri="{FF2B5EF4-FFF2-40B4-BE49-F238E27FC236}">
+                <a16:creationId xmlns:a16="http://schemas.microsoft.com/office/drawing/2014/main" id="{BC5B3563-940B-42D5-1B8A-9D74012F4812}"/>
+              </a:ext>
+            </a:extLst>
+          </p:cNvPr>
+          <p:cNvSpPr>
+            <a:spLocks noGrp="1"/>
+          </p:cNvSpPr>
+          <p:nvPr>
+            <p:ph type="title"/>
+          </p:nvPr>
+        </p:nvSpPr>
+        <p:spPr/>
+        <p:txBody>
+          <a:bodyPr/>
+          <a:lstStyle/>
+          <a:p>
+            <a:r>
+              <a:rPr lang="nl-NL" dirty="0" err="1"/>
+              <a:t>Instruction</a:t>
+            </a:r>
+            <a:r>
+              <a:rPr lang="nl-NL" dirty="0"/>
+              <a:t> </a:t>
+            </a:r>
+            <a:r>
+              <a:rPr lang="nl-NL" dirty="0" err="1"/>
+              <a:t>Encoding</a:t>
+            </a:r>
+            <a:endParaRPr lang="en-GB" dirty="0"/>
+          </a:p>
+        </p:txBody>
+      </p:sp>
+      <p:sp>
+        <p:nvSpPr>
+          <p:cNvPr id="3" name="Content Placeholder 2">
+            <a:extLst>
+              <a:ext uri="{FF2B5EF4-FFF2-40B4-BE49-F238E27FC236}">
+                <a16:creationId xmlns:a16="http://schemas.microsoft.com/office/drawing/2014/main" id="{09C319EB-4883-52E4-2482-5D592DD478C2}"/>
+              </a:ext>
+            </a:extLst>
+          </p:cNvPr>
+          <p:cNvSpPr>
+            <a:spLocks noGrp="1"/>
+          </p:cNvSpPr>
+          <p:nvPr>
+            <p:ph idx="1"/>
+          </p:nvPr>
+        </p:nvSpPr>
+        <p:spPr>
+          <a:xfrm>
+            <a:off x="838200" y="1825625"/>
+            <a:ext cx="7176796" cy="4351338"/>
+          </a:xfrm>
+        </p:spPr>
+        <p:txBody>
+          <a:bodyPr/>
+          <a:lstStyle/>
+          <a:p>
+            <a:r>
+              <a:rPr lang="nl-NL" dirty="0" err="1"/>
+              <a:t>each</a:t>
+            </a:r>
+            <a:r>
+              <a:rPr lang="nl-NL" dirty="0"/>
+              <a:t> “type” </a:t>
+            </a:r>
+            <a:r>
+              <a:rPr lang="nl-NL" dirty="0" err="1"/>
+              <a:t>can</a:t>
+            </a:r>
+            <a:r>
+              <a:rPr lang="nl-NL" dirty="0"/>
+              <a:t> </a:t>
+            </a:r>
+            <a:r>
+              <a:rPr lang="nl-NL" dirty="0" err="1"/>
+              <a:t>be</a:t>
+            </a:r>
+            <a:r>
+              <a:rPr lang="nl-NL" dirty="0"/>
+              <a:t> </a:t>
+            </a:r>
+            <a:r>
+              <a:rPr lang="nl-NL" dirty="0" err="1"/>
+              <a:t>represented</a:t>
+            </a:r>
+            <a:r>
+              <a:rPr lang="nl-NL" dirty="0"/>
+              <a:t> </a:t>
+            </a:r>
+            <a:r>
+              <a:rPr lang="nl-NL" dirty="0" err="1"/>
+              <a:t>by</a:t>
+            </a:r>
+            <a:r>
+              <a:rPr lang="nl-NL" dirty="0"/>
+              <a:t> a </a:t>
+            </a:r>
+            <a:r>
+              <a:rPr lang="nl-NL" dirty="0" err="1"/>
+              <a:t>width</a:t>
+            </a:r>
+            <a:r>
+              <a:rPr lang="nl-NL" dirty="0"/>
+              <a:t> </a:t>
+            </a:r>
+            <a:r>
+              <a:rPr lang="nl-NL" dirty="0" err="1"/>
+              <a:t>and</a:t>
+            </a:r>
+            <a:r>
+              <a:rPr lang="nl-NL" dirty="0"/>
+              <a:t> a index (</a:t>
+            </a:r>
+            <a:r>
+              <a:rPr lang="nl-NL" dirty="0" err="1"/>
+              <a:t>starting</a:t>
+            </a:r>
+            <a:r>
+              <a:rPr lang="nl-NL" dirty="0"/>
+              <a:t> at </a:t>
+            </a:r>
+            <a:r>
+              <a:rPr lang="nl-NL" dirty="0" err="1"/>
+              <a:t>the</a:t>
+            </a:r>
+            <a:r>
+              <a:rPr lang="nl-NL" dirty="0"/>
+              <a:t> </a:t>
+            </a:r>
+            <a:r>
+              <a:rPr lang="nl-NL" dirty="0" err="1"/>
+              <a:t>the</a:t>
+            </a:r>
+            <a:r>
+              <a:rPr lang="nl-NL" dirty="0"/>
+              <a:t> LSB)</a:t>
+            </a:r>
+          </a:p>
+          <a:p>
+            <a:r>
+              <a:rPr lang="nl-NL" dirty="0" err="1"/>
+              <a:t>generic</a:t>
+            </a:r>
+            <a:r>
+              <a:rPr lang="nl-NL" dirty="0"/>
+              <a:t> </a:t>
+            </a:r>
+            <a:r>
+              <a:rPr lang="nl-NL" dirty="0" err="1"/>
+              <a:t>function</a:t>
+            </a:r>
+            <a:r>
+              <a:rPr lang="nl-NL" dirty="0"/>
+              <a:t> </a:t>
+            </a:r>
+            <a:r>
+              <a:rPr lang="nl-NL" dirty="0" err="1"/>
+              <a:t>for</a:t>
+            </a:r>
+            <a:r>
+              <a:rPr lang="nl-NL" dirty="0"/>
+              <a:t> </a:t>
+            </a:r>
+            <a:r>
+              <a:rPr lang="nl-NL" dirty="0" err="1"/>
+              <a:t>decoding</a:t>
+            </a:r>
+            <a:endParaRPr lang="en-GB" dirty="0"/>
+          </a:p>
+          <a:p>
+            <a:pPr marL="0" indent="0">
+              <a:buNone/>
+            </a:pPr>
+            <a:endParaRPr lang="en-GB" dirty="0"/>
+          </a:p>
+        </p:txBody>
+      </p:sp>
+      <p:pic>
+        <p:nvPicPr>
+          <p:cNvPr id="4" name="Picture 3">
+            <a:extLst>
+              <a:ext uri="{FF2B5EF4-FFF2-40B4-BE49-F238E27FC236}">
+                <a16:creationId xmlns:a16="http://schemas.microsoft.com/office/drawing/2014/main" id="{804D416F-38A9-26FE-C1A2-B32824597ED3}"/>
+              </a:ext>
+            </a:extLst>
+          </p:cNvPr>
+          <p:cNvPicPr>
+            <a:picLocks noChangeAspect="1"/>
+          </p:cNvPicPr>
+          <p:nvPr/>
+        </p:nvPicPr>
+        <p:blipFill>
+          <a:blip r:embed="rId2"/>
+          <a:stretch>
+            <a:fillRect/>
+          </a:stretch>
+        </p:blipFill>
+        <p:spPr>
+          <a:xfrm>
+            <a:off x="8014996" y="1825625"/>
+            <a:ext cx="3600000" cy="4045162"/>
+          </a:xfrm>
+          <a:prstGeom prst="rect">
+            <a:avLst/>
+          </a:prstGeom>
+        </p:spPr>
+      </p:pic>
+    </p:spTree>
+    <p:extLst>
+      <p:ext uri="{BB962C8B-B14F-4D97-AF65-F5344CB8AC3E}">
+        <p14:creationId xmlns:p14="http://schemas.microsoft.com/office/powerpoint/2010/main" val="3251483826"/>
+      </p:ext>
+    </p:extLst>
+  </p:cSld>
+  <p:clrMapOvr>
+    <a:masterClrMapping/>
+  </p:clrMapOvr>
+</p:sld>
+</file>
+
+<file path=ppt/slides/slide6.xml><?xml version="1.0" encoding="utf-8"?>
+<p:sld xmlns:a="http://schemas.openxmlformats.org/drawingml/2006/main" xmlns:r="http://schemas.openxmlformats.org/officeDocument/2006/relationships" xmlns:p="http://schemas.openxmlformats.org/presentationml/2006/main">
+  <p:cSld>
+    <p:spTree>
+      <p:nvGrpSpPr>
+        <p:cNvPr id="1" name=""/>
+        <p:cNvGrpSpPr/>
+        <p:nvPr/>
+      </p:nvGrpSpPr>
+      <p:grpSpPr>
+        <a:xfrm>
+          <a:off x="0" y="0"/>
+          <a:ext cx="0" cy="0"/>
+          <a:chOff x="0" y="0"/>
+          <a:chExt cx="0" cy="0"/>
+        </a:xfrm>
+      </p:grpSpPr>
+      <p:sp>
+        <p:nvSpPr>
+          <p:cNvPr id="2" name="Title 1">
+            <a:extLst>
+              <a:ext uri="{FF2B5EF4-FFF2-40B4-BE49-F238E27FC236}">
+                <a16:creationId xmlns:a16="http://schemas.microsoft.com/office/drawing/2014/main" id="{3C4CB19B-C596-4932-D7DA-6F036BED2878}"/>
+              </a:ext>
+            </a:extLst>
+          </p:cNvPr>
+          <p:cNvSpPr>
+            <a:spLocks noGrp="1"/>
+          </p:cNvSpPr>
+          <p:nvPr>
+            <p:ph type="title"/>
+          </p:nvPr>
+        </p:nvSpPr>
+        <p:spPr/>
+        <p:txBody>
+          <a:bodyPr/>
+          <a:lstStyle/>
+          <a:p>
+            <a:r>
+              <a:rPr lang="nl-NL" dirty="0" err="1"/>
+              <a:t>Instruction</a:t>
+            </a:r>
+            <a:r>
+              <a:rPr lang="nl-NL" dirty="0"/>
+              <a:t> Decoding</a:t>
+            </a:r>
+            <a:endParaRPr lang="en-GB" dirty="0"/>
+          </a:p>
+        </p:txBody>
+      </p:sp>
+      <p:sp>
+        <p:nvSpPr>
+          <p:cNvPr id="3" name="Content Placeholder 2">
+            <a:extLst>
+              <a:ext uri="{FF2B5EF4-FFF2-40B4-BE49-F238E27FC236}">
+                <a16:creationId xmlns:a16="http://schemas.microsoft.com/office/drawing/2014/main" id="{474E5A01-6400-A4F8-BC59-FC6D18069434}"/>
+              </a:ext>
+            </a:extLst>
+          </p:cNvPr>
+          <p:cNvSpPr>
+            <a:spLocks noGrp="1"/>
+          </p:cNvSpPr>
+          <p:nvPr>
+            <p:ph idx="1"/>
+          </p:nvPr>
+        </p:nvSpPr>
+        <p:spPr/>
+        <p:txBody>
+          <a:bodyPr/>
+          <a:lstStyle/>
+          <a:p>
+            <a:r>
+              <a:rPr lang="nl-NL" dirty="0"/>
+              <a:t>logic of </a:t>
+            </a:r>
+            <a:r>
+              <a:rPr lang="nl-NL" dirty="0" err="1"/>
+              <a:t>the</a:t>
+            </a:r>
+            <a:r>
+              <a:rPr lang="nl-NL" dirty="0"/>
+              <a:t> </a:t>
+            </a:r>
+            <a:r>
+              <a:rPr lang="nl-NL" dirty="0" err="1"/>
+              <a:t>bitwise</a:t>
+            </a:r>
+            <a:r>
+              <a:rPr lang="nl-NL" dirty="0"/>
+              <a:t> AND</a:t>
+            </a:r>
+            <a:endParaRPr lang="en-GB" dirty="0"/>
+          </a:p>
+        </p:txBody>
+      </p:sp>
+      <p:pic>
+        <p:nvPicPr>
+          <p:cNvPr id="13" name="Picture 12">
+            <a:extLst>
+              <a:ext uri="{FF2B5EF4-FFF2-40B4-BE49-F238E27FC236}">
+                <a16:creationId xmlns:a16="http://schemas.microsoft.com/office/drawing/2014/main" id="{B29508F7-C4C5-903C-5B3F-2972265A4803}"/>
+              </a:ext>
+            </a:extLst>
+          </p:cNvPr>
+          <p:cNvPicPr>
+            <a:picLocks noChangeAspect="1"/>
+          </p:cNvPicPr>
+          <p:nvPr/>
+        </p:nvPicPr>
+        <p:blipFill>
+          <a:blip r:embed="rId2"/>
+          <a:stretch>
+            <a:fillRect/>
+          </a:stretch>
+        </p:blipFill>
+        <p:spPr>
+          <a:xfrm>
+            <a:off x="838200" y="2980775"/>
+            <a:ext cx="3962953" cy="2238687"/>
+          </a:xfrm>
+          <a:prstGeom prst="rect">
+            <a:avLst/>
+          </a:prstGeom>
+        </p:spPr>
+      </p:pic>
+      <p:sp>
+        <p:nvSpPr>
+          <p:cNvPr id="16" name="Arrow: Right 15">
+            <a:extLst>
+              <a:ext uri="{FF2B5EF4-FFF2-40B4-BE49-F238E27FC236}">
+                <a16:creationId xmlns:a16="http://schemas.microsoft.com/office/drawing/2014/main" id="{E49A9C9A-AD53-EEE6-CDBC-0D064B20D2CE}"/>
+              </a:ext>
+            </a:extLst>
+          </p:cNvPr>
+          <p:cNvSpPr/>
+          <p:nvPr/>
+        </p:nvSpPr>
+        <p:spPr>
+          <a:xfrm>
+            <a:off x="4630354" y="3916550"/>
+            <a:ext cx="1465646" cy="725974"/>
+          </a:xfrm>
+          <a:prstGeom prst="rightArrow">
+            <a:avLst/>
+          </a:prstGeom>
+          <a:solidFill>
+            <a:schemeClr val="accent1">
+              <a:lumMod val="75000"/>
+            </a:schemeClr>
+          </a:solidFill>
+          <a:ln>
+            <a:solidFill>
+              <a:schemeClr val="bg1"/>
+            </a:solidFill>
+          </a:ln>
+        </p:spPr>
+        <p:style>
+          <a:lnRef idx="2">
+            <a:schemeClr val="accent1">
+              <a:shade val="15000"/>
+            </a:schemeClr>
+          </a:lnRef>
+          <a:fillRef idx="1">
+            <a:schemeClr val="accent1"/>
+          </a:fillRef>
+          <a:effectRef idx="0">
+            <a:schemeClr val="accent1"/>
+          </a:effectRef>
+          <a:fontRef idx="minor">
+            <a:schemeClr val="lt1"/>
+          </a:fontRef>
+        </p:style>
+        <p:txBody>
+          <a:bodyPr rtlCol="0" anchor="ctr"/>
+          <a:lstStyle/>
+          <a:p>
+            <a:pPr algn="ctr"/>
+            <a:endParaRPr lang="en-GB"/>
+          </a:p>
+        </p:txBody>
+      </p:sp>
+      <p:pic>
+        <p:nvPicPr>
+          <p:cNvPr id="18" name="Picture 17">
+            <a:extLst>
+              <a:ext uri="{FF2B5EF4-FFF2-40B4-BE49-F238E27FC236}">
+                <a16:creationId xmlns:a16="http://schemas.microsoft.com/office/drawing/2014/main" id="{8EA5FC49-CE8B-84DD-91FC-816397B309A6}"/>
+              </a:ext>
+            </a:extLst>
+          </p:cNvPr>
+          <p:cNvPicPr>
+            <a:picLocks noChangeAspect="1"/>
+          </p:cNvPicPr>
+          <p:nvPr/>
+        </p:nvPicPr>
+        <p:blipFill>
+          <a:blip r:embed="rId3"/>
+          <a:stretch>
+            <a:fillRect/>
+          </a:stretch>
+        </p:blipFill>
+        <p:spPr>
+          <a:xfrm>
+            <a:off x="6611802" y="2980775"/>
+            <a:ext cx="5476493" cy="2830134"/>
+          </a:xfrm>
+          <a:prstGeom prst="rect">
+            <a:avLst/>
+          </a:prstGeom>
+        </p:spPr>
+      </p:pic>
+    </p:spTree>
+    <p:extLst>
+      <p:ext uri="{BB962C8B-B14F-4D97-AF65-F5344CB8AC3E}">
+        <p14:creationId xmlns:p14="http://schemas.microsoft.com/office/powerpoint/2010/main" val="1429074301"/>
+      </p:ext>
+    </p:extLst>
+  </p:cSld>
+  <p:clrMapOvr>
+    <a:masterClrMapping/>
+  </p:clrMapOvr>
+</p:sld>
+</file>
+
+<file path=ppt/slides/slide7.xml><?xml version="1.0" encoding="utf-8"?>
+<p:sld xmlns:a="http://schemas.openxmlformats.org/drawingml/2006/main" xmlns:r="http://schemas.openxmlformats.org/officeDocument/2006/relationships" xmlns:p="http://schemas.openxmlformats.org/presentationml/2006/main">
+  <p:cSld>
+    <p:spTree>
+      <p:nvGrpSpPr>
+        <p:cNvPr id="1" name=""/>
+        <p:cNvGrpSpPr/>
+        <p:nvPr/>
+      </p:nvGrpSpPr>
+      <p:grpSpPr>
+        <a:xfrm>
+          <a:off x="0" y="0"/>
+          <a:ext cx="0" cy="0"/>
+          <a:chOff x="0" y="0"/>
+          <a:chExt cx="0" cy="0"/>
+        </a:xfrm>
+      </p:grpSpPr>
+      <p:sp>
+        <p:nvSpPr>
+          <p:cNvPr id="2" name="Title 1">
+            <a:extLst>
+              <a:ext uri="{FF2B5EF4-FFF2-40B4-BE49-F238E27FC236}">
+                <a16:creationId xmlns:a16="http://schemas.microsoft.com/office/drawing/2014/main" id="{9EFABCB1-2698-5189-0B02-44472A7947A1}"/>
+              </a:ext>
+            </a:extLst>
+          </p:cNvPr>
+          <p:cNvSpPr>
+            <a:spLocks noGrp="1"/>
+          </p:cNvSpPr>
+          <p:nvPr>
+            <p:ph type="title"/>
+          </p:nvPr>
+        </p:nvSpPr>
+        <p:spPr/>
+        <p:txBody>
+          <a:bodyPr/>
+          <a:lstStyle/>
+          <a:p>
+            <a:r>
+              <a:rPr lang="en-US" dirty="0"/>
+              <a:t>System Calls</a:t>
+            </a:r>
+            <a:endParaRPr lang="en-GB" dirty="0"/>
+          </a:p>
+        </p:txBody>
+      </p:sp>
+      <p:sp>
+        <p:nvSpPr>
+          <p:cNvPr id="3" name="Content Placeholder 2">
+            <a:extLst>
+              <a:ext uri="{FF2B5EF4-FFF2-40B4-BE49-F238E27FC236}">
+                <a16:creationId xmlns:a16="http://schemas.microsoft.com/office/drawing/2014/main" id="{E9AB192C-70B0-106D-ABA4-EC47BC94309A}"/>
+              </a:ext>
+            </a:extLst>
+          </p:cNvPr>
+          <p:cNvSpPr>
+            <a:spLocks noGrp="1"/>
+          </p:cNvSpPr>
+          <p:nvPr>
+            <p:ph idx="1"/>
+          </p:nvPr>
+        </p:nvSpPr>
+        <p:spPr/>
+        <p:txBody>
+          <a:bodyPr/>
+          <a:lstStyle/>
+          <a:p>
+            <a:r>
+              <a:rPr lang="nl-NL" dirty="0"/>
+              <a:t>TRAP </a:t>
+            </a:r>
+            <a:r>
+              <a:rPr lang="nl-NL" dirty="0" err="1"/>
+              <a:t>instruction</a:t>
+            </a:r>
+            <a:endParaRPr lang="nl-NL" dirty="0"/>
+          </a:p>
+          <a:p>
+            <a:r>
+              <a:rPr lang="nl-NL" dirty="0"/>
+              <a:t>console I/O </a:t>
+            </a:r>
+          </a:p>
+          <a:p>
+            <a:r>
+              <a:rPr lang="nl-NL" dirty="0"/>
+              <a:t>halt processor</a:t>
+            </a:r>
+          </a:p>
+        </p:txBody>
+      </p:sp>
+      <p:pic>
+        <p:nvPicPr>
+          <p:cNvPr id="9" name="Picture 8">
+            <a:extLst>
+              <a:ext uri="{FF2B5EF4-FFF2-40B4-BE49-F238E27FC236}">
+                <a16:creationId xmlns:a16="http://schemas.microsoft.com/office/drawing/2014/main" id="{0A742CD3-665D-D217-4421-0B6A402DDE48}"/>
+              </a:ext>
+            </a:extLst>
+          </p:cNvPr>
+          <p:cNvPicPr>
+            <a:picLocks noChangeAspect="1"/>
+          </p:cNvPicPr>
+          <p:nvPr/>
+        </p:nvPicPr>
+        <p:blipFill>
+          <a:blip r:embed="rId2"/>
+          <a:stretch>
+            <a:fillRect/>
+          </a:stretch>
+        </p:blipFill>
+        <p:spPr>
+          <a:xfrm>
+            <a:off x="838200" y="3909291"/>
+            <a:ext cx="4024582" cy="2142116"/>
+          </a:xfrm>
+          <a:prstGeom prst="rect">
+            <a:avLst/>
+          </a:prstGeom>
+        </p:spPr>
+      </p:pic>
+    </p:spTree>
+    <p:extLst>
+      <p:ext uri="{BB962C8B-B14F-4D97-AF65-F5344CB8AC3E}">
+        <p14:creationId xmlns:p14="http://schemas.microsoft.com/office/powerpoint/2010/main" val="1028645984"/>
+      </p:ext>
+    </p:extLst>
+  </p:cSld>
+  <p:clrMapOvr>
+    <a:masterClrMapping/>
+  </p:clrMapOvr>
+</p:sld>
+</file>
+
+<file path=ppt/slides/slide8.xml><?xml version="1.0" encoding="utf-8"?>
+<p:sld xmlns:a="http://schemas.openxmlformats.org/drawingml/2006/main" xmlns:r="http://schemas.openxmlformats.org/officeDocument/2006/relationships" xmlns:p="http://schemas.openxmlformats.org/presentationml/2006/main">
+  <p:cSld>
+    <p:spTree>
+      <p:nvGrpSpPr>
+        <p:cNvPr id="1" name=""/>
+        <p:cNvGrpSpPr/>
+        <p:nvPr/>
+      </p:nvGrpSpPr>
+      <p:grpSpPr>
+        <a:xfrm>
+          <a:off x="0" y="0"/>
+          <a:ext cx="0" cy="0"/>
+          <a:chOff x="0" y="0"/>
+          <a:chExt cx="0" cy="0"/>
+        </a:xfrm>
+      </p:grpSpPr>
+      <p:sp>
+        <p:nvSpPr>
+          <p:cNvPr id="2" name="Title 1">
+            <a:extLst>
+              <a:ext uri="{FF2B5EF4-FFF2-40B4-BE49-F238E27FC236}">
+                <a16:creationId xmlns:a16="http://schemas.microsoft.com/office/drawing/2014/main" id="{0B016452-6958-F274-F6BE-3675DC791C71}"/>
+              </a:ext>
+            </a:extLst>
+          </p:cNvPr>
+          <p:cNvSpPr>
+            <a:spLocks noGrp="1"/>
+          </p:cNvSpPr>
+          <p:nvPr>
+            <p:ph type="title"/>
+          </p:nvPr>
+        </p:nvSpPr>
+        <p:spPr/>
+        <p:txBody>
+          <a:bodyPr/>
+          <a:lstStyle/>
+          <a:p>
+            <a:r>
+              <a:rPr lang="en-US" dirty="0"/>
+              <a:t>Assembling</a:t>
+            </a:r>
+            <a:endParaRPr lang="en-GB" dirty="0"/>
+          </a:p>
+        </p:txBody>
+      </p:sp>
+      <p:sp>
+        <p:nvSpPr>
+          <p:cNvPr id="3" name="Content Placeholder 2">
+            <a:extLst>
+              <a:ext uri="{FF2B5EF4-FFF2-40B4-BE49-F238E27FC236}">
+                <a16:creationId xmlns:a16="http://schemas.microsoft.com/office/drawing/2014/main" id="{C1981E7B-A81A-57CE-1E46-88A03A8C879B}"/>
+              </a:ext>
+            </a:extLst>
+          </p:cNvPr>
+          <p:cNvSpPr>
+            <a:spLocks noGrp="1"/>
+          </p:cNvSpPr>
+          <p:nvPr>
+            <p:ph idx="1"/>
+          </p:nvPr>
+        </p:nvSpPr>
+        <p:spPr/>
+        <p:txBody>
+          <a:bodyPr/>
+          <a:lstStyle/>
+          <a:p>
+            <a:pPr marL="0" indent="0">
+              <a:buNone/>
+            </a:pPr>
+            <a:r>
+              <a:rPr lang="en-US" dirty="0">
+                <a:hlinkClick r:id="rId2"/>
+              </a:rPr>
+              <a:t>https://wchargin.com/lc3web/</a:t>
+            </a:r>
+            <a:endParaRPr lang="en-US" dirty="0"/>
+          </a:p>
+          <a:p>
+            <a:pPr marL="0" indent="0">
+              <a:buNone/>
+            </a:pPr>
+            <a:endParaRPr lang="en-US" dirty="0"/>
+          </a:p>
+        </p:txBody>
+      </p:sp>
+      <p:pic>
+        <p:nvPicPr>
+          <p:cNvPr id="7" name="Picture 6">
+            <a:extLst>
+              <a:ext uri="{FF2B5EF4-FFF2-40B4-BE49-F238E27FC236}">
+                <a16:creationId xmlns:a16="http://schemas.microsoft.com/office/drawing/2014/main" id="{E916376D-935F-4DBA-3FC0-D98E0FF74CCC}"/>
+              </a:ext>
+            </a:extLst>
+          </p:cNvPr>
+          <p:cNvPicPr>
+            <a:picLocks noChangeAspect="1"/>
+          </p:cNvPicPr>
+          <p:nvPr/>
+        </p:nvPicPr>
+        <p:blipFill>
+          <a:blip r:embed="rId3"/>
+          <a:stretch>
+            <a:fillRect/>
+          </a:stretch>
+        </p:blipFill>
+        <p:spPr>
+          <a:xfrm>
+            <a:off x="988743" y="2544045"/>
+            <a:ext cx="4331564" cy="3470988"/>
+          </a:xfrm>
+          <a:prstGeom prst="rect">
+            <a:avLst/>
+          </a:prstGeom>
+        </p:spPr>
+      </p:pic>
+      <p:pic>
+        <p:nvPicPr>
+          <p:cNvPr id="5" name="Picture 4">
+            <a:extLst>
+              <a:ext uri="{FF2B5EF4-FFF2-40B4-BE49-F238E27FC236}">
+                <a16:creationId xmlns:a16="http://schemas.microsoft.com/office/drawing/2014/main" id="{4D6B4F93-F65D-6FA4-FF40-FCE50DC85346}"/>
+              </a:ext>
+            </a:extLst>
+          </p:cNvPr>
+          <p:cNvPicPr>
+            <a:picLocks noChangeAspect="1"/>
+          </p:cNvPicPr>
+          <p:nvPr/>
+        </p:nvPicPr>
+        <p:blipFill>
+          <a:blip r:embed="rId4"/>
+          <a:stretch>
+            <a:fillRect/>
+          </a:stretch>
+        </p:blipFill>
+        <p:spPr>
+          <a:xfrm>
+            <a:off x="8210502" y="3394583"/>
+            <a:ext cx="2992755" cy="1769909"/>
+          </a:xfrm>
+          <a:prstGeom prst="rect">
+            <a:avLst/>
+          </a:prstGeom>
+        </p:spPr>
+      </p:pic>
+      <p:sp>
+        <p:nvSpPr>
+          <p:cNvPr id="9" name="Arrow: Right 8">
+            <a:extLst>
+              <a:ext uri="{FF2B5EF4-FFF2-40B4-BE49-F238E27FC236}">
+                <a16:creationId xmlns:a16="http://schemas.microsoft.com/office/drawing/2014/main" id="{1CD16D90-E848-5272-01FE-ED4D72881BB0}"/>
+              </a:ext>
+            </a:extLst>
+          </p:cNvPr>
+          <p:cNvSpPr/>
+          <p:nvPr/>
+        </p:nvSpPr>
+        <p:spPr>
+          <a:xfrm>
+            <a:off x="6032581" y="3916550"/>
+            <a:ext cx="1465646" cy="725974"/>
+          </a:xfrm>
+          <a:prstGeom prst="rightArrow">
+            <a:avLst/>
+          </a:prstGeom>
+          <a:solidFill>
+            <a:schemeClr val="accent1">
+              <a:lumMod val="75000"/>
+            </a:schemeClr>
+          </a:solidFill>
+          <a:ln>
+            <a:solidFill>
+              <a:schemeClr val="bg1"/>
+            </a:solidFill>
+          </a:ln>
+        </p:spPr>
+        <p:style>
+          <a:lnRef idx="2">
+            <a:schemeClr val="accent1">
+              <a:shade val="15000"/>
+            </a:schemeClr>
+          </a:lnRef>
+          <a:fillRef idx="1">
+            <a:schemeClr val="accent1"/>
+          </a:fillRef>
+          <a:effectRef idx="0">
+            <a:schemeClr val="accent1"/>
+          </a:effectRef>
+          <a:fontRef idx="minor">
+            <a:schemeClr val="lt1"/>
+          </a:fontRef>
+        </p:style>
+        <p:txBody>
+          <a:bodyPr rtlCol="0" anchor="ctr"/>
+          <a:lstStyle/>
+          <a:p>
+            <a:pPr algn="ctr"/>
+            <a:endParaRPr lang="en-GB"/>
+          </a:p>
+        </p:txBody>
+      </p:sp>
+    </p:spTree>
+    <p:extLst>
+      <p:ext uri="{BB962C8B-B14F-4D97-AF65-F5344CB8AC3E}">
+        <p14:creationId xmlns:p14="http://schemas.microsoft.com/office/powerpoint/2010/main" val="3882698398"/>
+      </p:ext>
+    </p:extLst>
+  </p:cSld>
+  <p:clrMapOvr>
+    <a:masterClrMapping/>
+  </p:clrMapOvr>
+</p:sld>
+</file>
+
+<file path=ppt/slides/slide9.xml><?xml version="1.0" encoding="utf-8"?>
+<p:sld xmlns:a="http://schemas.openxmlformats.org/drawingml/2006/main" xmlns:r="http://schemas.openxmlformats.org/officeDocument/2006/relationships" xmlns:p="http://schemas.openxmlformats.org/presentationml/2006/main">
+  <p:cSld>
+    <p:spTree>
+      <p:nvGrpSpPr>
+        <p:cNvPr id="1" name=""/>
+        <p:cNvGrpSpPr/>
+        <p:nvPr/>
+      </p:nvGrpSpPr>
+      <p:grpSpPr>
+        <a:xfrm>
+          <a:off x="0" y="0"/>
+          <a:ext cx="0" cy="0"/>
+          <a:chOff x="0" y="0"/>
+          <a:chExt cx="0" cy="0"/>
+        </a:xfrm>
+      </p:grpSpPr>
+      <p:sp>
+        <p:nvSpPr>
+          <p:cNvPr id="2" name="Title 1">
+            <a:extLst>
+              <a:ext uri="{FF2B5EF4-FFF2-40B4-BE49-F238E27FC236}">
+                <a16:creationId xmlns:a16="http://schemas.microsoft.com/office/drawing/2014/main" id="{2B2ADF13-05B1-DA71-5168-88B693F76849}"/>
+              </a:ext>
+            </a:extLst>
+          </p:cNvPr>
+          <p:cNvSpPr>
+            <a:spLocks noGrp="1"/>
+          </p:cNvSpPr>
+          <p:nvPr>
+            <p:ph type="title"/>
+          </p:nvPr>
+        </p:nvSpPr>
+        <p:spPr/>
+        <p:txBody>
+          <a:bodyPr/>
+          <a:lstStyle/>
+          <a:p>
+            <a:r>
+              <a:rPr lang="en-US" dirty="0"/>
+              <a:t>Loading</a:t>
+            </a:r>
+            <a:r>
+              <a:rPr lang="en-US" b="1" dirty="0"/>
+              <a:t> </a:t>
+            </a:r>
+            <a:r>
+              <a:rPr lang="en-US" dirty="0"/>
+              <a:t>Object</a:t>
+            </a:r>
+            <a:r>
+              <a:rPr lang="en-US" b="1" dirty="0"/>
+              <a:t> </a:t>
+            </a:r>
+            <a:r>
+              <a:rPr lang="en-US" dirty="0"/>
+              <a:t>Files</a:t>
+            </a:r>
+            <a:endParaRPr lang="en-GB" dirty="0"/>
+          </a:p>
+        </p:txBody>
+      </p:sp>
+      <p:pic>
+        <p:nvPicPr>
+          <p:cNvPr id="6" name="Content Placeholder 5">
+            <a:extLst>
+              <a:ext uri="{FF2B5EF4-FFF2-40B4-BE49-F238E27FC236}">
+                <a16:creationId xmlns:a16="http://schemas.microsoft.com/office/drawing/2014/main" id="{6F7540E2-3D57-CDF4-1DAA-29A1A3B7D439}"/>
+              </a:ext>
+            </a:extLst>
+          </p:cNvPr>
+          <p:cNvPicPr>
+            <a:picLocks noGrp="1" noChangeAspect="1"/>
+          </p:cNvPicPr>
+          <p:nvPr>
+            <p:ph idx="1"/>
+          </p:nvPr>
+        </p:nvPicPr>
+        <p:blipFill>
+          <a:blip r:embed="rId2"/>
+          <a:stretch>
+            <a:fillRect/>
+          </a:stretch>
+        </p:blipFill>
+        <p:spPr>
+          <a:xfrm>
+            <a:off x="7926896" y="1690688"/>
             <a:ext cx="4051041" cy="4456146"/>
           </a:xfrm>
         </p:spPr>
@@ -3702,7 +5268,7 @@
             </a:r>
             <a:r>
               <a:rPr lang="en-US" dirty="0"/>
-              <a:t> word is where program should be loaded.</a:t>
+              <a:t> word is where program should be loaded</a:t>
             </a:r>
           </a:p>
           <a:p>
@@ -3723,1605 +5289,6 @@
     <p:extLst>
       <p:ext uri="{BB962C8B-B14F-4D97-AF65-F5344CB8AC3E}">
         <p14:creationId xmlns:p14="http://schemas.microsoft.com/office/powerpoint/2010/main" val="1093745867"/>
-      </p:ext>
-    </p:extLst>
-  </p:cSld>
-  <p:clrMapOvr>
-    <a:masterClrMapping/>
-  </p:clrMapOvr>
-</p:sld>
-</file>
-
-<file path=ppt/slides/slide11.xml><?xml version="1.0" encoding="utf-8"?>
-<p:sld xmlns:a="http://schemas.openxmlformats.org/drawingml/2006/main" xmlns:r="http://schemas.openxmlformats.org/officeDocument/2006/relationships" xmlns:p="http://schemas.openxmlformats.org/presentationml/2006/main">
-  <p:cSld>
-    <p:spTree>
-      <p:nvGrpSpPr>
-        <p:cNvPr id="1" name=""/>
-        <p:cNvGrpSpPr/>
-        <p:nvPr/>
-      </p:nvGrpSpPr>
-      <p:grpSpPr>
-        <a:xfrm>
-          <a:off x="0" y="0"/>
-          <a:ext cx="0" cy="0"/>
-          <a:chOff x="0" y="0"/>
-          <a:chExt cx="0" cy="0"/>
-        </a:xfrm>
-      </p:grpSpPr>
-      <p:sp>
-        <p:nvSpPr>
-          <p:cNvPr id="2" name="Title 1">
-            <a:extLst>
-              <a:ext uri="{FF2B5EF4-FFF2-40B4-BE49-F238E27FC236}">
-                <a16:creationId xmlns:a16="http://schemas.microsoft.com/office/drawing/2014/main" id="{4D1F8E91-31B9-41B9-F33F-84D02BA5CC73}"/>
-              </a:ext>
-            </a:extLst>
-          </p:cNvPr>
-          <p:cNvSpPr>
-            <a:spLocks noGrp="1"/>
-          </p:cNvSpPr>
-          <p:nvPr>
-            <p:ph type="title"/>
-          </p:nvPr>
-        </p:nvSpPr>
-        <p:spPr/>
-        <p:txBody>
-          <a:bodyPr/>
-          <a:lstStyle/>
-          <a:p>
-            <a:r>
-              <a:rPr lang="en-US" dirty="0"/>
-              <a:t>Limitations</a:t>
-            </a:r>
-            <a:endParaRPr lang="en-GB" dirty="0"/>
-          </a:p>
-        </p:txBody>
-      </p:sp>
-      <p:sp>
-        <p:nvSpPr>
-          <p:cNvPr id="3" name="Content Placeholder 2">
-            <a:extLst>
-              <a:ext uri="{FF2B5EF4-FFF2-40B4-BE49-F238E27FC236}">
-                <a16:creationId xmlns:a16="http://schemas.microsoft.com/office/drawing/2014/main" id="{2652816E-5561-A85F-5276-6146BE968501}"/>
-              </a:ext>
-            </a:extLst>
-          </p:cNvPr>
-          <p:cNvSpPr>
-            <a:spLocks noGrp="1"/>
-          </p:cNvSpPr>
-          <p:nvPr>
-            <p:ph idx="1"/>
-          </p:nvPr>
-        </p:nvSpPr>
-        <p:spPr/>
-        <p:txBody>
-          <a:bodyPr/>
-          <a:lstStyle/>
-          <a:p>
-            <a:r>
-              <a:rPr lang="en-US" dirty="0"/>
-              <a:t>comparing or subtracting</a:t>
-            </a:r>
-          </a:p>
-          <a:p>
-            <a:r>
-              <a:rPr lang="en-US" dirty="0"/>
-              <a:t>bit shifting</a:t>
-            </a:r>
-          </a:p>
-          <a:p>
-            <a:r>
-              <a:rPr lang="en-US" dirty="0"/>
-              <a:t>text-based input/output</a:t>
-            </a:r>
-          </a:p>
-          <a:p>
-            <a:r>
-              <a:rPr lang="en-US" dirty="0"/>
-              <a:t>unsigned data</a:t>
-            </a:r>
-          </a:p>
-        </p:txBody>
-      </p:sp>
-    </p:spTree>
-    <p:extLst>
-      <p:ext uri="{BB962C8B-B14F-4D97-AF65-F5344CB8AC3E}">
-        <p14:creationId xmlns:p14="http://schemas.microsoft.com/office/powerpoint/2010/main" val="225081117"/>
-      </p:ext>
-    </p:extLst>
-  </p:cSld>
-  <p:clrMapOvr>
-    <a:masterClrMapping/>
-  </p:clrMapOvr>
-</p:sld>
-</file>
-
-<file path=ppt/slides/slide12.xml><?xml version="1.0" encoding="utf-8"?>
-<p:sld xmlns:a="http://schemas.openxmlformats.org/drawingml/2006/main" xmlns:r="http://schemas.openxmlformats.org/officeDocument/2006/relationships" xmlns:p="http://schemas.openxmlformats.org/presentationml/2006/main">
-  <p:cSld>
-    <p:spTree>
-      <p:nvGrpSpPr>
-        <p:cNvPr id="1" name=""/>
-        <p:cNvGrpSpPr/>
-        <p:nvPr/>
-      </p:nvGrpSpPr>
-      <p:grpSpPr>
-        <a:xfrm>
-          <a:off x="0" y="0"/>
-          <a:ext cx="0" cy="0"/>
-          <a:chOff x="0" y="0"/>
-          <a:chExt cx="0" cy="0"/>
-        </a:xfrm>
-      </p:grpSpPr>
-      <p:sp>
-        <p:nvSpPr>
-          <p:cNvPr id="2" name="Title 1">
-            <a:extLst>
-              <a:ext uri="{FF2B5EF4-FFF2-40B4-BE49-F238E27FC236}">
-                <a16:creationId xmlns:a16="http://schemas.microsoft.com/office/drawing/2014/main" id="{C2539293-3CFC-FD83-FD72-ED5821226013}"/>
-              </a:ext>
-            </a:extLst>
-          </p:cNvPr>
-          <p:cNvSpPr>
-            <a:spLocks noGrp="1"/>
-          </p:cNvSpPr>
-          <p:nvPr>
-            <p:ph type="title"/>
-          </p:nvPr>
-        </p:nvSpPr>
-        <p:spPr/>
-        <p:txBody>
-          <a:bodyPr/>
-          <a:lstStyle/>
-          <a:p>
-            <a:r>
-              <a:rPr lang="en-US" dirty="0"/>
-              <a:t>Resources Used</a:t>
-            </a:r>
-            <a:endParaRPr lang="en-GB" dirty="0"/>
-          </a:p>
-        </p:txBody>
-      </p:sp>
-      <p:sp>
-        <p:nvSpPr>
-          <p:cNvPr id="3" name="Content Placeholder 2">
-            <a:extLst>
-              <a:ext uri="{FF2B5EF4-FFF2-40B4-BE49-F238E27FC236}">
-                <a16:creationId xmlns:a16="http://schemas.microsoft.com/office/drawing/2014/main" id="{B13732F1-C855-C16F-5183-E7EBBFB8DC56}"/>
-              </a:ext>
-            </a:extLst>
-          </p:cNvPr>
-          <p:cNvSpPr>
-            <a:spLocks noGrp="1"/>
-          </p:cNvSpPr>
-          <p:nvPr>
-            <p:ph idx="1"/>
-          </p:nvPr>
-        </p:nvSpPr>
-        <p:spPr/>
-        <p:txBody>
-          <a:bodyPr/>
-          <a:lstStyle/>
-          <a:p>
-            <a:r>
-              <a:rPr lang="en-GB" b="1" dirty="0"/>
-              <a:t>LC-3 details: </a:t>
-            </a:r>
-            <a:r>
-              <a:rPr lang="en-GB" dirty="0">
-                <a:hlinkClick r:id="rId2"/>
-              </a:rPr>
-              <a:t>https://www.jmeiners.com/lc3-vm/supplies/lc3-isa.pdf</a:t>
-            </a:r>
-            <a:endParaRPr lang="en-GB" dirty="0"/>
-          </a:p>
-          <a:p>
-            <a:r>
-              <a:rPr lang="en-GB" b="1" dirty="0"/>
-              <a:t>assembler:</a:t>
-            </a:r>
-            <a:r>
-              <a:rPr lang="en-GB" dirty="0"/>
-              <a:t> </a:t>
-            </a:r>
-            <a:r>
-              <a:rPr lang="en-GB" dirty="0">
-                <a:hlinkClick r:id="rId3"/>
-              </a:rPr>
-              <a:t>https://wchargin.com/lc3web/</a:t>
-            </a:r>
-            <a:endParaRPr lang="en-GB" dirty="0"/>
-          </a:p>
-        </p:txBody>
-      </p:sp>
-    </p:spTree>
-    <p:extLst>
-      <p:ext uri="{BB962C8B-B14F-4D97-AF65-F5344CB8AC3E}">
-        <p14:creationId xmlns:p14="http://schemas.microsoft.com/office/powerpoint/2010/main" val="3237193649"/>
-      </p:ext>
-    </p:extLst>
-  </p:cSld>
-  <p:clrMapOvr>
-    <a:masterClrMapping/>
-  </p:clrMapOvr>
-</p:sld>
-</file>
-
-<file path=ppt/slides/slide13.xml><?xml version="1.0" encoding="utf-8"?>
-<p:sld xmlns:a="http://schemas.openxmlformats.org/drawingml/2006/main" xmlns:r="http://schemas.openxmlformats.org/officeDocument/2006/relationships" xmlns:p="http://schemas.openxmlformats.org/presentationml/2006/main">
-  <p:cSld>
-    <p:spTree>
-      <p:nvGrpSpPr>
-        <p:cNvPr id="1" name=""/>
-        <p:cNvGrpSpPr/>
-        <p:nvPr/>
-      </p:nvGrpSpPr>
-      <p:grpSpPr>
-        <a:xfrm>
-          <a:off x="0" y="0"/>
-          <a:ext cx="0" cy="0"/>
-          <a:chOff x="0" y="0"/>
-          <a:chExt cx="0" cy="0"/>
-        </a:xfrm>
-      </p:grpSpPr>
-      <p:sp>
-        <p:nvSpPr>
-          <p:cNvPr id="2" name="Title 1">
-            <a:extLst>
-              <a:ext uri="{FF2B5EF4-FFF2-40B4-BE49-F238E27FC236}">
-                <a16:creationId xmlns:a16="http://schemas.microsoft.com/office/drawing/2014/main" id="{BFEACB12-C6A1-D4CD-B6EE-2E92F0F85C43}"/>
-              </a:ext>
-            </a:extLst>
-          </p:cNvPr>
-          <p:cNvSpPr>
-            <a:spLocks noGrp="1"/>
-          </p:cNvSpPr>
-          <p:nvPr>
-            <p:ph type="title"/>
-          </p:nvPr>
-        </p:nvSpPr>
-        <p:spPr/>
-        <p:txBody>
-          <a:bodyPr/>
-          <a:lstStyle/>
-          <a:p>
-            <a:r>
-              <a:rPr lang="en-US" dirty="0"/>
-              <a:t>Questions?</a:t>
-            </a:r>
-            <a:endParaRPr lang="en-GB" dirty="0"/>
-          </a:p>
-        </p:txBody>
-      </p:sp>
-      <p:sp>
-        <p:nvSpPr>
-          <p:cNvPr id="4" name="Content Placeholder 3">
-            <a:extLst>
-              <a:ext uri="{FF2B5EF4-FFF2-40B4-BE49-F238E27FC236}">
-                <a16:creationId xmlns:a16="http://schemas.microsoft.com/office/drawing/2014/main" id="{D920A156-5111-AB55-CBEF-D2E9AAB9B3F7}"/>
-              </a:ext>
-            </a:extLst>
-          </p:cNvPr>
-          <p:cNvSpPr txBox="1">
-            <a:spLocks noGrp="1"/>
-          </p:cNvSpPr>
-          <p:nvPr>
-            <p:ph idx="1"/>
-          </p:nvPr>
-        </p:nvSpPr>
-        <p:spPr>
-          <a:xfrm>
-            <a:off x="838200" y="1825625"/>
-            <a:ext cx="10515600" cy="4351338"/>
-          </a:xfrm>
-          <a:prstGeom prst="rect">
-            <a:avLst/>
-          </a:prstGeom>
-          <a:noFill/>
-        </p:spPr>
-        <p:txBody>
-          <a:bodyPr wrap="square" rtlCol="0">
-            <a:spAutoFit/>
-          </a:bodyPr>
-          <a:lstStyle/>
-          <a:p>
-            <a:r>
-              <a:rPr lang="en-GB" dirty="0"/>
-              <a:t>;--------------------------------------</a:t>
-            </a:r>
-          </a:p>
-          <a:p>
-            <a:r>
-              <a:rPr lang="en-GB" dirty="0"/>
-              <a:t>; HELLO WORLD PROGRAM </a:t>
-            </a:r>
-          </a:p>
-          <a:p>
-            <a:r>
-              <a:rPr lang="en-GB" dirty="0"/>
-              <a:t>;--------------------------------------</a:t>
-            </a:r>
-          </a:p>
-          <a:p>
-            <a:r>
-              <a:rPr lang="en-GB" b="1" dirty="0"/>
-              <a:t>.</a:t>
-            </a:r>
-            <a:r>
-              <a:rPr lang="en-GB" dirty="0"/>
-              <a:t>ORIG</a:t>
-            </a:r>
-            <a:r>
-              <a:rPr lang="en-GB" b="1" dirty="0"/>
-              <a:t> </a:t>
-            </a:r>
-            <a:r>
-              <a:rPr lang="en-GB" dirty="0"/>
-              <a:t>x3000</a:t>
-            </a:r>
-          </a:p>
-          <a:p>
-            <a:r>
-              <a:rPr lang="en-GB" dirty="0"/>
-              <a:t>    LD  R0, MSG</a:t>
-            </a:r>
-          </a:p>
-          <a:p>
-            <a:r>
-              <a:rPr lang="en-GB" dirty="0"/>
-              <a:t>    PUTS</a:t>
-            </a:r>
-          </a:p>
-          <a:p>
-            <a:r>
-              <a:rPr lang="en-GB" dirty="0"/>
-              <a:t>    HALT</a:t>
-            </a:r>
-          </a:p>
-          <a:p>
-            <a:endParaRPr lang="en-GB" dirty="0"/>
-          </a:p>
-          <a:p>
-            <a:r>
-              <a:rPr lang="en-GB" dirty="0"/>
-              <a:t>MSG .STRINGZ "hello world!\n"</a:t>
-            </a:r>
-          </a:p>
-          <a:p>
-            <a:r>
-              <a:rPr lang="en-GB" dirty="0"/>
-              <a:t>.END</a:t>
-            </a:r>
-          </a:p>
-        </p:txBody>
-      </p:sp>
-      <p:pic>
-        <p:nvPicPr>
-          <p:cNvPr id="6" name="Picture 5">
-            <a:extLst>
-              <a:ext uri="{FF2B5EF4-FFF2-40B4-BE49-F238E27FC236}">
-                <a16:creationId xmlns:a16="http://schemas.microsoft.com/office/drawing/2014/main" id="{DE2EA8D1-15D0-5969-2354-BD9E0B502681}"/>
-              </a:ext>
-            </a:extLst>
-          </p:cNvPr>
-          <p:cNvPicPr>
-            <a:picLocks noChangeAspect="1"/>
-          </p:cNvPicPr>
-          <p:nvPr/>
-        </p:nvPicPr>
-        <p:blipFill>
-          <a:blip r:embed="rId2"/>
-          <a:stretch>
-            <a:fillRect/>
-          </a:stretch>
-        </p:blipFill>
-        <p:spPr>
-          <a:xfrm>
-            <a:off x="1816835" y="0"/>
-            <a:ext cx="4279166" cy="3429000"/>
-          </a:xfrm>
-          <a:prstGeom prst="rect">
-            <a:avLst/>
-          </a:prstGeom>
-        </p:spPr>
-      </p:pic>
-    </p:spTree>
-    <p:extLst>
-      <p:ext uri="{BB962C8B-B14F-4D97-AF65-F5344CB8AC3E}">
-        <p14:creationId xmlns:p14="http://schemas.microsoft.com/office/powerpoint/2010/main" val="3569390642"/>
-      </p:ext>
-    </p:extLst>
-  </p:cSld>
-  <p:clrMapOvr>
-    <a:masterClrMapping/>
-  </p:clrMapOvr>
-</p:sld>
-</file>
-
-<file path=ppt/slides/slide2.xml><?xml version="1.0" encoding="utf-8"?>
-<p:sld xmlns:a="http://schemas.openxmlformats.org/drawingml/2006/main" xmlns:r="http://schemas.openxmlformats.org/officeDocument/2006/relationships" xmlns:p="http://schemas.openxmlformats.org/presentationml/2006/main">
-  <p:cSld>
-    <p:spTree>
-      <p:nvGrpSpPr>
-        <p:cNvPr id="1" name=""/>
-        <p:cNvGrpSpPr/>
-        <p:nvPr/>
-      </p:nvGrpSpPr>
-      <p:grpSpPr>
-        <a:xfrm>
-          <a:off x="0" y="0"/>
-          <a:ext cx="0" cy="0"/>
-          <a:chOff x="0" y="0"/>
-          <a:chExt cx="0" cy="0"/>
-        </a:xfrm>
-      </p:grpSpPr>
-      <p:sp>
-        <p:nvSpPr>
-          <p:cNvPr id="2" name="Title 1">
-            <a:extLst>
-              <a:ext uri="{FF2B5EF4-FFF2-40B4-BE49-F238E27FC236}">
-                <a16:creationId xmlns:a16="http://schemas.microsoft.com/office/drawing/2014/main" id="{236B5B77-3509-0FA9-3CF6-79FFCA293B69}"/>
-              </a:ext>
-            </a:extLst>
-          </p:cNvPr>
-          <p:cNvSpPr>
-            <a:spLocks noGrp="1"/>
-          </p:cNvSpPr>
-          <p:nvPr>
-            <p:ph type="title"/>
-          </p:nvPr>
-        </p:nvSpPr>
-        <p:spPr/>
-        <p:txBody>
-          <a:bodyPr/>
-          <a:lstStyle/>
-          <a:p>
-            <a:r>
-              <a:rPr lang="nl-NL"/>
-              <a:t>Little Computer 3</a:t>
-            </a:r>
-            <a:endParaRPr lang="en-GB" dirty="0"/>
-          </a:p>
-        </p:txBody>
-      </p:sp>
-      <p:sp>
-        <p:nvSpPr>
-          <p:cNvPr id="3" name="Content Placeholder 2">
-            <a:extLst>
-              <a:ext uri="{FF2B5EF4-FFF2-40B4-BE49-F238E27FC236}">
-                <a16:creationId xmlns:a16="http://schemas.microsoft.com/office/drawing/2014/main" id="{42725936-61EC-EABC-6C41-CE9FF89E97B2}"/>
-              </a:ext>
-            </a:extLst>
-          </p:cNvPr>
-          <p:cNvSpPr>
-            <a:spLocks noGrp="1"/>
-          </p:cNvSpPr>
-          <p:nvPr>
-            <p:ph idx="1"/>
-          </p:nvPr>
-        </p:nvSpPr>
-        <p:spPr>
-          <a:xfrm>
-            <a:off x="838200" y="1825624"/>
-            <a:ext cx="10515600" cy="4486275"/>
-          </a:xfrm>
-        </p:spPr>
-        <p:txBody>
-          <a:bodyPr/>
-          <a:lstStyle/>
-          <a:p>
-            <a:r>
-              <a:rPr lang="en-GB" dirty="0"/>
-              <a:t>an educational</a:t>
-            </a:r>
-            <a:r>
-              <a:rPr lang="nl-NL" dirty="0"/>
-              <a:t> </a:t>
-            </a:r>
-            <a:r>
-              <a:rPr lang="nl-NL" dirty="0" err="1"/>
-              <a:t>architecture</a:t>
-            </a:r>
-            <a:endParaRPr lang="nl-NL" dirty="0"/>
-          </a:p>
-          <a:p>
-            <a:r>
-              <a:rPr lang="nl-NL" dirty="0" err="1"/>
-              <a:t>minimal</a:t>
-            </a:r>
-            <a:r>
-              <a:rPr lang="nl-NL" dirty="0"/>
-              <a:t> </a:t>
-            </a:r>
-            <a:r>
-              <a:rPr lang="nl-NL" dirty="0" err="1"/>
-              <a:t>instruction</a:t>
-            </a:r>
-            <a:r>
-              <a:rPr lang="nl-NL" dirty="0"/>
-              <a:t> set (15 </a:t>
-            </a:r>
-            <a:r>
-              <a:rPr lang="nl-NL" dirty="0" err="1"/>
-              <a:t>unique</a:t>
-            </a:r>
-            <a:r>
-              <a:rPr lang="nl-NL" dirty="0"/>
-              <a:t> </a:t>
-            </a:r>
-            <a:r>
-              <a:rPr lang="nl-NL" dirty="0" err="1"/>
-              <a:t>opcodes</a:t>
-            </a:r>
-            <a:r>
-              <a:rPr lang="nl-NL" dirty="0"/>
-              <a:t>)</a:t>
-            </a:r>
-          </a:p>
-          <a:p>
-            <a:r>
-              <a:rPr lang="nl-NL" dirty="0"/>
-              <a:t>8 </a:t>
-            </a:r>
-            <a:r>
-              <a:rPr lang="nl-NL" dirty="0" err="1"/>
-              <a:t>general</a:t>
-            </a:r>
-            <a:r>
-              <a:rPr lang="nl-NL" dirty="0"/>
-              <a:t> </a:t>
-            </a:r>
-            <a:r>
-              <a:rPr lang="nl-NL" dirty="0" err="1"/>
-              <a:t>purpose</a:t>
-            </a:r>
-            <a:r>
-              <a:rPr lang="nl-NL" dirty="0"/>
-              <a:t> registers (R0-R7)</a:t>
-            </a:r>
-          </a:p>
-          <a:p>
-            <a:r>
-              <a:rPr lang="nl-NL" dirty="0"/>
-              <a:t>registers</a:t>
-            </a:r>
-          </a:p>
-          <a:p>
-            <a:r>
-              <a:rPr lang="nl-NL" dirty="0" err="1"/>
-              <a:t>conditionon</a:t>
-            </a:r>
-            <a:r>
-              <a:rPr lang="nl-NL" dirty="0"/>
-              <a:t> codes</a:t>
-            </a:r>
-          </a:p>
-          <a:p>
-            <a:endParaRPr lang="nl-NL" dirty="0"/>
-          </a:p>
-          <a:p>
-            <a:endParaRPr lang="en-GB" dirty="0"/>
-          </a:p>
-        </p:txBody>
-      </p:sp>
-    </p:spTree>
-    <p:extLst>
-      <p:ext uri="{BB962C8B-B14F-4D97-AF65-F5344CB8AC3E}">
-        <p14:creationId xmlns:p14="http://schemas.microsoft.com/office/powerpoint/2010/main" val="642736614"/>
-      </p:ext>
-    </p:extLst>
-  </p:cSld>
-  <p:clrMapOvr>
-    <a:masterClrMapping/>
-  </p:clrMapOvr>
-</p:sld>
-</file>
-
-<file path=ppt/slides/slide3.xml><?xml version="1.0" encoding="utf-8"?>
-<p:sld xmlns:a="http://schemas.openxmlformats.org/drawingml/2006/main" xmlns:r="http://schemas.openxmlformats.org/officeDocument/2006/relationships" xmlns:p="http://schemas.openxmlformats.org/presentationml/2006/main">
-  <p:cSld>
-    <p:spTree>
-      <p:nvGrpSpPr>
-        <p:cNvPr id="1" name=""/>
-        <p:cNvGrpSpPr/>
-        <p:nvPr/>
-      </p:nvGrpSpPr>
-      <p:grpSpPr>
-        <a:xfrm>
-          <a:off x="0" y="0"/>
-          <a:ext cx="0" cy="0"/>
-          <a:chOff x="0" y="0"/>
-          <a:chExt cx="0" cy="0"/>
-        </a:xfrm>
-      </p:grpSpPr>
-      <p:sp>
-        <p:nvSpPr>
-          <p:cNvPr id="2" name="Title 1">
-            <a:extLst>
-              <a:ext uri="{FF2B5EF4-FFF2-40B4-BE49-F238E27FC236}">
-                <a16:creationId xmlns:a16="http://schemas.microsoft.com/office/drawing/2014/main" id="{A3AC963A-467F-B6A6-87CC-9B9F60861278}"/>
-              </a:ext>
-            </a:extLst>
-          </p:cNvPr>
-          <p:cNvSpPr>
-            <a:spLocks noGrp="1"/>
-          </p:cNvSpPr>
-          <p:nvPr>
-            <p:ph type="title"/>
-          </p:nvPr>
-        </p:nvSpPr>
-        <p:spPr/>
-        <p:txBody>
-          <a:bodyPr/>
-          <a:lstStyle/>
-          <a:p>
-            <a:r>
-              <a:rPr lang="nl-NL" dirty="0"/>
-              <a:t>Memory</a:t>
-            </a:r>
-            <a:endParaRPr lang="en-GB" dirty="0"/>
-          </a:p>
-        </p:txBody>
-      </p:sp>
-      <p:sp>
-        <p:nvSpPr>
-          <p:cNvPr id="3" name="Content Placeholder 2">
-            <a:extLst>
-              <a:ext uri="{FF2B5EF4-FFF2-40B4-BE49-F238E27FC236}">
-                <a16:creationId xmlns:a16="http://schemas.microsoft.com/office/drawing/2014/main" id="{E74205FC-A804-7918-7B81-870BC1B9AFC5}"/>
-              </a:ext>
-            </a:extLst>
-          </p:cNvPr>
-          <p:cNvSpPr>
-            <a:spLocks noGrp="1"/>
-          </p:cNvSpPr>
-          <p:nvPr>
-            <p:ph idx="1"/>
-          </p:nvPr>
-        </p:nvSpPr>
-        <p:spPr/>
-        <p:txBody>
-          <a:bodyPr/>
-          <a:lstStyle/>
-          <a:p>
-            <a:r>
-              <a:rPr lang="en-US" dirty="0"/>
-              <a:t>16-bit addressable memory</a:t>
-            </a:r>
-          </a:p>
-          <a:p>
-            <a:r>
-              <a:rPr lang="en-US" dirty="0"/>
-              <a:t>little-endian</a:t>
-            </a:r>
-          </a:p>
-          <a:p>
-            <a:r>
-              <a:rPr lang="en-US" dirty="0"/>
-              <a:t>memory mapped IO</a:t>
-            </a:r>
-          </a:p>
-          <a:p>
-            <a:endParaRPr lang="en-US" dirty="0"/>
-          </a:p>
-        </p:txBody>
-      </p:sp>
-      <p:pic>
-        <p:nvPicPr>
-          <p:cNvPr id="7" name="Picture 6">
-            <a:extLst>
-              <a:ext uri="{FF2B5EF4-FFF2-40B4-BE49-F238E27FC236}">
-                <a16:creationId xmlns:a16="http://schemas.microsoft.com/office/drawing/2014/main" id="{8CF2A95F-5263-6545-A81D-2ED34C8AEA4E}"/>
-              </a:ext>
-            </a:extLst>
-          </p:cNvPr>
-          <p:cNvPicPr>
-            <a:picLocks noChangeAspect="1"/>
-          </p:cNvPicPr>
-          <p:nvPr/>
-        </p:nvPicPr>
-        <p:blipFill>
-          <a:blip r:embed="rId2"/>
-          <a:stretch>
-            <a:fillRect/>
-          </a:stretch>
-        </p:blipFill>
-        <p:spPr>
-          <a:xfrm>
-            <a:off x="7894515" y="775534"/>
-            <a:ext cx="3896269" cy="5401429"/>
-          </a:xfrm>
-          <a:prstGeom prst="rect">
-            <a:avLst/>
-          </a:prstGeom>
-        </p:spPr>
-      </p:pic>
-    </p:spTree>
-    <p:extLst>
-      <p:ext uri="{BB962C8B-B14F-4D97-AF65-F5344CB8AC3E}">
-        <p14:creationId xmlns:p14="http://schemas.microsoft.com/office/powerpoint/2010/main" val="2354302716"/>
-      </p:ext>
-    </p:extLst>
-  </p:cSld>
-  <p:clrMapOvr>
-    <a:masterClrMapping/>
-  </p:clrMapOvr>
-</p:sld>
-</file>
-
-<file path=ppt/slides/slide4.xml><?xml version="1.0" encoding="utf-8"?>
-<p:sld xmlns:a="http://schemas.openxmlformats.org/drawingml/2006/main" xmlns:r="http://schemas.openxmlformats.org/officeDocument/2006/relationships" xmlns:p="http://schemas.openxmlformats.org/presentationml/2006/main">
-  <p:cSld>
-    <p:spTree>
-      <p:nvGrpSpPr>
-        <p:cNvPr id="1" name=""/>
-        <p:cNvGrpSpPr/>
-        <p:nvPr/>
-      </p:nvGrpSpPr>
-      <p:grpSpPr>
-        <a:xfrm>
-          <a:off x="0" y="0"/>
-          <a:ext cx="0" cy="0"/>
-          <a:chOff x="0" y="0"/>
-          <a:chExt cx="0" cy="0"/>
-        </a:xfrm>
-      </p:grpSpPr>
-      <p:sp>
-        <p:nvSpPr>
-          <p:cNvPr id="2" name="Title 1">
-            <a:extLst>
-              <a:ext uri="{FF2B5EF4-FFF2-40B4-BE49-F238E27FC236}">
-                <a16:creationId xmlns:a16="http://schemas.microsoft.com/office/drawing/2014/main" id="{9EFABCB1-2698-5189-0B02-44472A7947A1}"/>
-              </a:ext>
-            </a:extLst>
-          </p:cNvPr>
-          <p:cNvSpPr>
-            <a:spLocks noGrp="1"/>
-          </p:cNvSpPr>
-          <p:nvPr>
-            <p:ph type="title"/>
-          </p:nvPr>
-        </p:nvSpPr>
-        <p:spPr/>
-        <p:txBody>
-          <a:bodyPr/>
-          <a:lstStyle/>
-          <a:p>
-            <a:r>
-              <a:rPr lang="en-US" dirty="0"/>
-              <a:t>Input Output</a:t>
-            </a:r>
-            <a:endParaRPr lang="en-GB" dirty="0"/>
-          </a:p>
-        </p:txBody>
-      </p:sp>
-      <p:sp>
-        <p:nvSpPr>
-          <p:cNvPr id="3" name="Content Placeholder 2">
-            <a:extLst>
-              <a:ext uri="{FF2B5EF4-FFF2-40B4-BE49-F238E27FC236}">
-                <a16:creationId xmlns:a16="http://schemas.microsoft.com/office/drawing/2014/main" id="{E9AB192C-70B0-106D-ABA4-EC47BC94309A}"/>
-              </a:ext>
-            </a:extLst>
-          </p:cNvPr>
-          <p:cNvSpPr>
-            <a:spLocks noGrp="1"/>
-          </p:cNvSpPr>
-          <p:nvPr>
-            <p:ph idx="1"/>
-          </p:nvPr>
-        </p:nvSpPr>
-        <p:spPr/>
-        <p:txBody>
-          <a:bodyPr/>
-          <a:lstStyle/>
-          <a:p>
-            <a:endParaRPr lang="en-GB" dirty="0"/>
-          </a:p>
-        </p:txBody>
-      </p:sp>
-    </p:spTree>
-    <p:extLst>
-      <p:ext uri="{BB962C8B-B14F-4D97-AF65-F5344CB8AC3E}">
-        <p14:creationId xmlns:p14="http://schemas.microsoft.com/office/powerpoint/2010/main" val="1028645984"/>
-      </p:ext>
-    </p:extLst>
-  </p:cSld>
-  <p:clrMapOvr>
-    <a:masterClrMapping/>
-  </p:clrMapOvr>
-</p:sld>
-</file>
-
-<file path=ppt/slides/slide5.xml><?xml version="1.0" encoding="utf-8"?>
-<p:sld xmlns:a="http://schemas.openxmlformats.org/drawingml/2006/main" xmlns:r="http://schemas.openxmlformats.org/officeDocument/2006/relationships" xmlns:p="http://schemas.openxmlformats.org/presentationml/2006/main">
-  <p:cSld>
-    <p:spTree>
-      <p:nvGrpSpPr>
-        <p:cNvPr id="1" name=""/>
-        <p:cNvGrpSpPr/>
-        <p:nvPr/>
-      </p:nvGrpSpPr>
-      <p:grpSpPr>
-        <a:xfrm>
-          <a:off x="0" y="0"/>
-          <a:ext cx="0" cy="0"/>
-          <a:chOff x="0" y="0"/>
-          <a:chExt cx="0" cy="0"/>
-        </a:xfrm>
-      </p:grpSpPr>
-      <p:sp>
-        <p:nvSpPr>
-          <p:cNvPr id="2" name="Title 1">
-            <a:extLst>
-              <a:ext uri="{FF2B5EF4-FFF2-40B4-BE49-F238E27FC236}">
-                <a16:creationId xmlns:a16="http://schemas.microsoft.com/office/drawing/2014/main" id="{8D407D33-2FDD-D991-2B35-6310CCB51402}"/>
-              </a:ext>
-            </a:extLst>
-          </p:cNvPr>
-          <p:cNvSpPr>
-            <a:spLocks noGrp="1"/>
-          </p:cNvSpPr>
-          <p:nvPr>
-            <p:ph type="title"/>
-          </p:nvPr>
-        </p:nvSpPr>
-        <p:spPr/>
-        <p:txBody>
-          <a:bodyPr/>
-          <a:lstStyle/>
-          <a:p>
-            <a:r>
-              <a:rPr lang="nl-NL" dirty="0" err="1"/>
-              <a:t>Instruction</a:t>
-            </a:r>
-            <a:r>
-              <a:rPr lang="nl-NL" dirty="0"/>
-              <a:t> </a:t>
-            </a:r>
-            <a:r>
-              <a:rPr lang="nl-NL" dirty="0" err="1"/>
-              <a:t>Encoding</a:t>
-            </a:r>
-            <a:endParaRPr lang="en-GB" dirty="0"/>
-          </a:p>
-        </p:txBody>
-      </p:sp>
-      <p:pic>
-        <p:nvPicPr>
-          <p:cNvPr id="11" name="Content Placeholder 10">
-            <a:extLst>
-              <a:ext uri="{FF2B5EF4-FFF2-40B4-BE49-F238E27FC236}">
-                <a16:creationId xmlns:a16="http://schemas.microsoft.com/office/drawing/2014/main" id="{E3F88966-279D-1CA9-E5BB-5BF127DF1743}"/>
-              </a:ext>
-            </a:extLst>
-          </p:cNvPr>
-          <p:cNvPicPr>
-            <a:picLocks noGrp="1" noChangeAspect="1"/>
-          </p:cNvPicPr>
-          <p:nvPr>
-            <p:ph idx="1"/>
-          </p:nvPr>
-        </p:nvPicPr>
-        <p:blipFill>
-          <a:blip r:embed="rId2"/>
-          <a:stretch>
-            <a:fillRect/>
-          </a:stretch>
-        </p:blipFill>
-        <p:spPr>
-          <a:xfrm>
-            <a:off x="8497924" y="1027906"/>
-            <a:ext cx="3115020" cy="4941676"/>
-          </a:xfrm>
-        </p:spPr>
-      </p:pic>
-    </p:spTree>
-    <p:extLst>
-      <p:ext uri="{BB962C8B-B14F-4D97-AF65-F5344CB8AC3E}">
-        <p14:creationId xmlns:p14="http://schemas.microsoft.com/office/powerpoint/2010/main" val="2320258994"/>
-      </p:ext>
-    </p:extLst>
-  </p:cSld>
-  <p:clrMapOvr>
-    <a:masterClrMapping/>
-  </p:clrMapOvr>
-</p:sld>
-</file>
-
-<file path=ppt/slides/slide6.xml><?xml version="1.0" encoding="utf-8"?>
-<p:sld xmlns:a="http://schemas.openxmlformats.org/drawingml/2006/main" xmlns:r="http://schemas.openxmlformats.org/officeDocument/2006/relationships" xmlns:p="http://schemas.openxmlformats.org/presentationml/2006/main">
-  <p:cSld>
-    <p:spTree>
-      <p:nvGrpSpPr>
-        <p:cNvPr id="1" name=""/>
-        <p:cNvGrpSpPr/>
-        <p:nvPr/>
-      </p:nvGrpSpPr>
-      <p:grpSpPr>
-        <a:xfrm>
-          <a:off x="0" y="0"/>
-          <a:ext cx="0" cy="0"/>
-          <a:chOff x="0" y="0"/>
-          <a:chExt cx="0" cy="0"/>
-        </a:xfrm>
-      </p:grpSpPr>
-      <p:sp>
-        <p:nvSpPr>
-          <p:cNvPr id="2" name="Title 1">
-            <a:extLst>
-              <a:ext uri="{FF2B5EF4-FFF2-40B4-BE49-F238E27FC236}">
-                <a16:creationId xmlns:a16="http://schemas.microsoft.com/office/drawing/2014/main" id="{D7FFA079-C50E-1212-4721-1C73B4BEE562}"/>
-              </a:ext>
-            </a:extLst>
-          </p:cNvPr>
-          <p:cNvSpPr>
-            <a:spLocks noGrp="1"/>
-          </p:cNvSpPr>
-          <p:nvPr>
-            <p:ph type="title"/>
-          </p:nvPr>
-        </p:nvSpPr>
-        <p:spPr/>
-        <p:txBody>
-          <a:bodyPr/>
-          <a:lstStyle/>
-          <a:p>
-            <a:r>
-              <a:rPr lang="en-US" dirty="0"/>
-              <a:t>Instruction Decoding</a:t>
-            </a:r>
-            <a:endParaRPr lang="en-GB" dirty="0"/>
-          </a:p>
-        </p:txBody>
-      </p:sp>
-      <p:pic>
-        <p:nvPicPr>
-          <p:cNvPr id="5" name="Content Placeholder 4">
-            <a:extLst>
-              <a:ext uri="{FF2B5EF4-FFF2-40B4-BE49-F238E27FC236}">
-                <a16:creationId xmlns:a16="http://schemas.microsoft.com/office/drawing/2014/main" id="{3BF6F86F-51F1-4D71-9867-F628E31267E5}"/>
-              </a:ext>
-            </a:extLst>
-          </p:cNvPr>
-          <p:cNvPicPr>
-            <a:picLocks noGrp="1" noChangeAspect="1"/>
-          </p:cNvPicPr>
-          <p:nvPr>
-            <p:ph idx="1"/>
-          </p:nvPr>
-        </p:nvPicPr>
-        <p:blipFill>
-          <a:blip r:embed="rId2"/>
-          <a:stretch>
-            <a:fillRect/>
-          </a:stretch>
-        </p:blipFill>
-        <p:spPr>
-          <a:xfrm>
-            <a:off x="4182219" y="1579520"/>
-            <a:ext cx="1852962" cy="4351338"/>
-          </a:xfrm>
-        </p:spPr>
-      </p:pic>
-      <p:pic>
-        <p:nvPicPr>
-          <p:cNvPr id="6" name="Picture 5">
-            <a:extLst>
-              <a:ext uri="{FF2B5EF4-FFF2-40B4-BE49-F238E27FC236}">
-                <a16:creationId xmlns:a16="http://schemas.microsoft.com/office/drawing/2014/main" id="{DAA54AB7-5344-946B-3C2C-6A13660F5892}"/>
-              </a:ext>
-            </a:extLst>
-          </p:cNvPr>
-          <p:cNvPicPr>
-            <a:picLocks noChangeAspect="1"/>
-          </p:cNvPicPr>
-          <p:nvPr/>
-        </p:nvPicPr>
-        <p:blipFill>
-          <a:blip r:embed="rId3"/>
-          <a:stretch>
-            <a:fillRect/>
-          </a:stretch>
-        </p:blipFill>
-        <p:spPr>
-          <a:xfrm>
-            <a:off x="8095981" y="1330674"/>
-            <a:ext cx="3600000" cy="4045162"/>
-          </a:xfrm>
-          <a:prstGeom prst="rect">
-            <a:avLst/>
-          </a:prstGeom>
-        </p:spPr>
-      </p:pic>
-    </p:spTree>
-    <p:extLst>
-      <p:ext uri="{BB962C8B-B14F-4D97-AF65-F5344CB8AC3E}">
-        <p14:creationId xmlns:p14="http://schemas.microsoft.com/office/powerpoint/2010/main" val="1878303098"/>
-      </p:ext>
-    </p:extLst>
-  </p:cSld>
-  <p:clrMapOvr>
-    <a:masterClrMapping/>
-  </p:clrMapOvr>
-</p:sld>
-</file>
-
-<file path=ppt/slides/slide7.xml><?xml version="1.0" encoding="utf-8"?>
-<p:sld xmlns:a="http://schemas.openxmlformats.org/drawingml/2006/main" xmlns:r="http://schemas.openxmlformats.org/officeDocument/2006/relationships" xmlns:p="http://schemas.openxmlformats.org/presentationml/2006/main">
-  <p:cSld>
-    <p:spTree>
-      <p:nvGrpSpPr>
-        <p:cNvPr id="1" name=""/>
-        <p:cNvGrpSpPr/>
-        <p:nvPr/>
-      </p:nvGrpSpPr>
-      <p:grpSpPr>
-        <a:xfrm>
-          <a:off x="0" y="0"/>
-          <a:ext cx="0" cy="0"/>
-          <a:chOff x="0" y="0"/>
-          <a:chExt cx="0" cy="0"/>
-        </a:xfrm>
-      </p:grpSpPr>
-      <p:sp>
-        <p:nvSpPr>
-          <p:cNvPr id="2" name="Title 1">
-            <a:extLst>
-              <a:ext uri="{FF2B5EF4-FFF2-40B4-BE49-F238E27FC236}">
-                <a16:creationId xmlns:a16="http://schemas.microsoft.com/office/drawing/2014/main" id="{BC5B3563-940B-42D5-1B8A-9D74012F4812}"/>
-              </a:ext>
-            </a:extLst>
-          </p:cNvPr>
-          <p:cNvSpPr>
-            <a:spLocks noGrp="1"/>
-          </p:cNvSpPr>
-          <p:nvPr>
-            <p:ph type="title"/>
-          </p:nvPr>
-        </p:nvSpPr>
-        <p:spPr/>
-        <p:txBody>
-          <a:bodyPr/>
-          <a:lstStyle/>
-          <a:p>
-            <a:r>
-              <a:rPr lang="nl-NL" dirty="0" err="1"/>
-              <a:t>Instruction</a:t>
-            </a:r>
-            <a:r>
-              <a:rPr lang="nl-NL" dirty="0"/>
-              <a:t> </a:t>
-            </a:r>
-            <a:r>
-              <a:rPr lang="nl-NL" dirty="0" err="1"/>
-              <a:t>Encoding</a:t>
-            </a:r>
-            <a:endParaRPr lang="en-GB" dirty="0"/>
-          </a:p>
-        </p:txBody>
-      </p:sp>
-      <p:sp>
-        <p:nvSpPr>
-          <p:cNvPr id="3" name="Content Placeholder 2">
-            <a:extLst>
-              <a:ext uri="{FF2B5EF4-FFF2-40B4-BE49-F238E27FC236}">
-                <a16:creationId xmlns:a16="http://schemas.microsoft.com/office/drawing/2014/main" id="{09C319EB-4883-52E4-2482-5D592DD478C2}"/>
-              </a:ext>
-            </a:extLst>
-          </p:cNvPr>
-          <p:cNvSpPr>
-            <a:spLocks noGrp="1"/>
-          </p:cNvSpPr>
-          <p:nvPr>
-            <p:ph idx="1"/>
-          </p:nvPr>
-        </p:nvSpPr>
-        <p:spPr>
-          <a:xfrm>
-            <a:off x="838200" y="1825625"/>
-            <a:ext cx="7176796" cy="4351338"/>
-          </a:xfrm>
-        </p:spPr>
-        <p:txBody>
-          <a:bodyPr/>
-          <a:lstStyle/>
-          <a:p>
-            <a:r>
-              <a:rPr lang="nl-NL" dirty="0" err="1"/>
-              <a:t>each</a:t>
-            </a:r>
-            <a:r>
-              <a:rPr lang="nl-NL" dirty="0"/>
-              <a:t> component of </a:t>
-            </a:r>
-            <a:r>
-              <a:rPr lang="nl-NL" dirty="0" err="1"/>
-              <a:t>an</a:t>
-            </a:r>
-            <a:r>
-              <a:rPr lang="nl-NL" dirty="0"/>
-              <a:t> </a:t>
-            </a:r>
-            <a:r>
-              <a:rPr lang="nl-NL" dirty="0" err="1"/>
-              <a:t>encoding</a:t>
-            </a:r>
-            <a:r>
-              <a:rPr lang="nl-NL" dirty="0"/>
-              <a:t> </a:t>
-            </a:r>
-            <a:r>
-              <a:rPr lang="nl-NL" dirty="0" err="1"/>
-              <a:t>can</a:t>
-            </a:r>
-            <a:r>
-              <a:rPr lang="nl-NL" dirty="0"/>
-              <a:t> </a:t>
-            </a:r>
-            <a:r>
-              <a:rPr lang="nl-NL" dirty="0" err="1"/>
-              <a:t>be</a:t>
-            </a:r>
-            <a:r>
-              <a:rPr lang="nl-NL" dirty="0"/>
-              <a:t> </a:t>
-            </a:r>
-            <a:r>
-              <a:rPr lang="nl-NL" dirty="0" err="1"/>
-              <a:t>represented</a:t>
-            </a:r>
-            <a:r>
-              <a:rPr lang="nl-NL" dirty="0"/>
-              <a:t> </a:t>
-            </a:r>
-            <a:r>
-              <a:rPr lang="nl-NL" dirty="0" err="1"/>
-              <a:t>by</a:t>
-            </a:r>
-            <a:r>
-              <a:rPr lang="nl-NL" dirty="0"/>
-              <a:t> a </a:t>
-            </a:r>
-            <a:r>
-              <a:rPr lang="nl-NL" dirty="0" err="1"/>
-              <a:t>width</a:t>
-            </a:r>
-            <a:r>
-              <a:rPr lang="nl-NL" dirty="0"/>
-              <a:t> </a:t>
-            </a:r>
-            <a:r>
-              <a:rPr lang="nl-NL" dirty="0" err="1"/>
-              <a:t>and</a:t>
-            </a:r>
-            <a:r>
-              <a:rPr lang="nl-NL" dirty="0"/>
-              <a:t> a index (</a:t>
-            </a:r>
-            <a:r>
-              <a:rPr lang="nl-NL" dirty="0" err="1"/>
-              <a:t>starting</a:t>
-            </a:r>
-            <a:r>
-              <a:rPr lang="nl-NL" dirty="0"/>
-              <a:t> at </a:t>
-            </a:r>
-            <a:r>
-              <a:rPr lang="nl-NL" dirty="0" err="1"/>
-              <a:t>the</a:t>
-            </a:r>
-            <a:r>
-              <a:rPr lang="nl-NL" dirty="0"/>
-              <a:t> </a:t>
-            </a:r>
-            <a:r>
-              <a:rPr lang="nl-NL" dirty="0" err="1"/>
-              <a:t>the</a:t>
-            </a:r>
-            <a:r>
-              <a:rPr lang="nl-NL" dirty="0"/>
-              <a:t> LSB)</a:t>
-            </a:r>
-            <a:endParaRPr lang="en-GB" dirty="0"/>
-          </a:p>
-          <a:p>
-            <a:pPr marL="0" indent="0">
-              <a:buNone/>
-            </a:pPr>
-            <a:endParaRPr lang="en-GB" dirty="0"/>
-          </a:p>
-        </p:txBody>
-      </p:sp>
-      <p:pic>
-        <p:nvPicPr>
-          <p:cNvPr id="4" name="Picture 3">
-            <a:extLst>
-              <a:ext uri="{FF2B5EF4-FFF2-40B4-BE49-F238E27FC236}">
-                <a16:creationId xmlns:a16="http://schemas.microsoft.com/office/drawing/2014/main" id="{804D416F-38A9-26FE-C1A2-B32824597ED3}"/>
-              </a:ext>
-            </a:extLst>
-          </p:cNvPr>
-          <p:cNvPicPr>
-            <a:picLocks noChangeAspect="1"/>
-          </p:cNvPicPr>
-          <p:nvPr/>
-        </p:nvPicPr>
-        <p:blipFill>
-          <a:blip r:embed="rId2"/>
-          <a:stretch>
-            <a:fillRect/>
-          </a:stretch>
-        </p:blipFill>
-        <p:spPr>
-          <a:xfrm>
-            <a:off x="8424949" y="1825625"/>
-            <a:ext cx="3600000" cy="4045162"/>
-          </a:xfrm>
-          <a:prstGeom prst="rect">
-            <a:avLst/>
-          </a:prstGeom>
-        </p:spPr>
-      </p:pic>
-    </p:spTree>
-    <p:extLst>
-      <p:ext uri="{BB962C8B-B14F-4D97-AF65-F5344CB8AC3E}">
-        <p14:creationId xmlns:p14="http://schemas.microsoft.com/office/powerpoint/2010/main" val="3251483826"/>
-      </p:ext>
-    </p:extLst>
-  </p:cSld>
-  <p:clrMapOvr>
-    <a:masterClrMapping/>
-  </p:clrMapOvr>
-</p:sld>
-</file>
-
-<file path=ppt/slides/slide8.xml><?xml version="1.0" encoding="utf-8"?>
-<p:sld xmlns:a="http://schemas.openxmlformats.org/drawingml/2006/main" xmlns:r="http://schemas.openxmlformats.org/officeDocument/2006/relationships" xmlns:p="http://schemas.openxmlformats.org/presentationml/2006/main">
-  <p:cSld>
-    <p:spTree>
-      <p:nvGrpSpPr>
-        <p:cNvPr id="1" name=""/>
-        <p:cNvGrpSpPr/>
-        <p:nvPr/>
-      </p:nvGrpSpPr>
-      <p:grpSpPr>
-        <a:xfrm>
-          <a:off x="0" y="0"/>
-          <a:ext cx="0" cy="0"/>
-          <a:chOff x="0" y="0"/>
-          <a:chExt cx="0" cy="0"/>
-        </a:xfrm>
-      </p:grpSpPr>
-      <p:sp>
-        <p:nvSpPr>
-          <p:cNvPr id="2" name="Title 1">
-            <a:extLst>
-              <a:ext uri="{FF2B5EF4-FFF2-40B4-BE49-F238E27FC236}">
-                <a16:creationId xmlns:a16="http://schemas.microsoft.com/office/drawing/2014/main" id="{42FB131A-9928-72F3-EF00-28F94AAE0560}"/>
-              </a:ext>
-            </a:extLst>
-          </p:cNvPr>
-          <p:cNvSpPr>
-            <a:spLocks noGrp="1"/>
-          </p:cNvSpPr>
-          <p:nvPr>
-            <p:ph type="title"/>
-          </p:nvPr>
-        </p:nvSpPr>
-        <p:spPr/>
-        <p:txBody>
-          <a:bodyPr/>
-          <a:lstStyle/>
-          <a:p>
-            <a:r>
-              <a:rPr lang="nl-NL" dirty="0" err="1"/>
-              <a:t>Instruction</a:t>
-            </a:r>
-            <a:r>
-              <a:rPr lang="nl-NL" dirty="0"/>
-              <a:t> </a:t>
-            </a:r>
-            <a:r>
-              <a:rPr lang="nl-NL" dirty="0" err="1"/>
-              <a:t>Encoding</a:t>
-            </a:r>
-            <a:endParaRPr lang="en-GB" dirty="0"/>
-          </a:p>
-        </p:txBody>
-      </p:sp>
-      <p:sp>
-        <p:nvSpPr>
-          <p:cNvPr id="5" name="Content Placeholder 4">
-            <a:extLst>
-              <a:ext uri="{FF2B5EF4-FFF2-40B4-BE49-F238E27FC236}">
-                <a16:creationId xmlns:a16="http://schemas.microsoft.com/office/drawing/2014/main" id="{F9F4F09C-FE2C-BBD5-4D78-7E9FEB484430}"/>
-              </a:ext>
-            </a:extLst>
-          </p:cNvPr>
-          <p:cNvSpPr>
-            <a:spLocks noGrp="1"/>
-          </p:cNvSpPr>
-          <p:nvPr>
-            <p:ph idx="1"/>
-          </p:nvPr>
-        </p:nvSpPr>
-        <p:spPr>
-          <a:xfrm>
-            <a:off x="838199" y="1825625"/>
-            <a:ext cx="6980853" cy="4351338"/>
-          </a:xfrm>
-        </p:spPr>
-        <p:txBody>
-          <a:bodyPr/>
-          <a:lstStyle/>
-          <a:p>
-            <a:r>
-              <a:rPr lang="nl-NL" dirty="0" err="1"/>
-              <a:t>each</a:t>
-            </a:r>
-            <a:r>
-              <a:rPr lang="nl-NL" dirty="0"/>
-              <a:t> part of a </a:t>
-            </a:r>
-            <a:r>
-              <a:rPr lang="nl-NL" dirty="0" err="1"/>
-              <a:t>can</a:t>
-            </a:r>
-            <a:r>
-              <a:rPr lang="nl-NL" dirty="0"/>
-              <a:t> </a:t>
-            </a:r>
-            <a:r>
-              <a:rPr lang="nl-NL" dirty="0" err="1"/>
-              <a:t>be</a:t>
-            </a:r>
-            <a:r>
-              <a:rPr lang="nl-NL" dirty="0"/>
-              <a:t> </a:t>
-            </a:r>
-            <a:r>
-              <a:rPr lang="nl-NL" dirty="0" err="1"/>
-              <a:t>represented</a:t>
-            </a:r>
-            <a:r>
-              <a:rPr lang="nl-NL" dirty="0"/>
-              <a:t> </a:t>
-            </a:r>
-            <a:r>
-              <a:rPr lang="nl-NL" dirty="0" err="1"/>
-              <a:t>by</a:t>
-            </a:r>
-            <a:r>
-              <a:rPr lang="nl-NL" dirty="0"/>
-              <a:t> a </a:t>
-            </a:r>
-            <a:r>
-              <a:rPr lang="nl-NL" dirty="0" err="1"/>
-              <a:t>width</a:t>
-            </a:r>
-            <a:r>
-              <a:rPr lang="nl-NL" dirty="0"/>
-              <a:t> </a:t>
-            </a:r>
-            <a:r>
-              <a:rPr lang="nl-NL" dirty="0" err="1"/>
-              <a:t>and</a:t>
-            </a:r>
-            <a:r>
-              <a:rPr lang="nl-NL" dirty="0"/>
-              <a:t> a index (</a:t>
-            </a:r>
-            <a:r>
-              <a:rPr lang="nl-NL" dirty="0" err="1"/>
-              <a:t>starting</a:t>
-            </a:r>
-            <a:r>
-              <a:rPr lang="nl-NL" dirty="0"/>
-              <a:t> at </a:t>
-            </a:r>
-            <a:r>
-              <a:rPr lang="nl-NL" dirty="0" err="1"/>
-              <a:t>the</a:t>
-            </a:r>
-            <a:r>
-              <a:rPr lang="nl-NL" dirty="0"/>
-              <a:t> </a:t>
-            </a:r>
-            <a:r>
-              <a:rPr lang="nl-NL" dirty="0" err="1"/>
-              <a:t>the</a:t>
-            </a:r>
-            <a:r>
-              <a:rPr lang="nl-NL" dirty="0"/>
-              <a:t> LSB)</a:t>
-            </a:r>
-            <a:endParaRPr lang="en-GB" dirty="0"/>
-          </a:p>
-        </p:txBody>
-      </p:sp>
-      <p:pic>
-        <p:nvPicPr>
-          <p:cNvPr id="7" name="Picture 6">
-            <a:extLst>
-              <a:ext uri="{FF2B5EF4-FFF2-40B4-BE49-F238E27FC236}">
-                <a16:creationId xmlns:a16="http://schemas.microsoft.com/office/drawing/2014/main" id="{F56F3DEE-C387-6546-09F1-5A68C1D44002}"/>
-              </a:ext>
-            </a:extLst>
-          </p:cNvPr>
-          <p:cNvPicPr>
-            <a:picLocks noChangeAspect="1"/>
-          </p:cNvPicPr>
-          <p:nvPr/>
-        </p:nvPicPr>
-        <p:blipFill>
-          <a:blip r:embed="rId2"/>
-          <a:stretch>
-            <a:fillRect/>
-          </a:stretch>
-        </p:blipFill>
-        <p:spPr>
-          <a:xfrm>
-            <a:off x="8129537" y="1825625"/>
-            <a:ext cx="3600000" cy="4045162"/>
-          </a:xfrm>
-          <a:prstGeom prst="rect">
-            <a:avLst/>
-          </a:prstGeom>
-        </p:spPr>
-      </p:pic>
-      <p:pic>
-        <p:nvPicPr>
-          <p:cNvPr id="11" name="Picture 10">
-            <a:extLst>
-              <a:ext uri="{FF2B5EF4-FFF2-40B4-BE49-F238E27FC236}">
-                <a16:creationId xmlns:a16="http://schemas.microsoft.com/office/drawing/2014/main" id="{CA5B7616-D6F2-7089-21D8-25BC548B25FE}"/>
-              </a:ext>
-            </a:extLst>
-          </p:cNvPr>
-          <p:cNvPicPr>
-            <a:picLocks noChangeAspect="1"/>
-          </p:cNvPicPr>
-          <p:nvPr/>
-        </p:nvPicPr>
-        <p:blipFill>
-          <a:blip r:embed="rId3"/>
-          <a:stretch>
-            <a:fillRect/>
-          </a:stretch>
-        </p:blipFill>
-        <p:spPr>
-          <a:xfrm>
-            <a:off x="626244" y="3862202"/>
-            <a:ext cx="7880163" cy="1627827"/>
-          </a:xfrm>
-          <a:prstGeom prst="rect">
-            <a:avLst/>
-          </a:prstGeom>
-        </p:spPr>
-      </p:pic>
-    </p:spTree>
-    <p:extLst>
-      <p:ext uri="{BB962C8B-B14F-4D97-AF65-F5344CB8AC3E}">
-        <p14:creationId xmlns:p14="http://schemas.microsoft.com/office/powerpoint/2010/main" val="3873717707"/>
-      </p:ext>
-    </p:extLst>
-  </p:cSld>
-  <p:clrMapOvr>
-    <a:masterClrMapping/>
-  </p:clrMapOvr>
-</p:sld>
-</file>
-
-<file path=ppt/slides/slide9.xml><?xml version="1.0" encoding="utf-8"?>
-<p:sld xmlns:a="http://schemas.openxmlformats.org/drawingml/2006/main" xmlns:r="http://schemas.openxmlformats.org/officeDocument/2006/relationships" xmlns:p="http://schemas.openxmlformats.org/presentationml/2006/main">
-  <p:cSld>
-    <p:spTree>
-      <p:nvGrpSpPr>
-        <p:cNvPr id="1" name=""/>
-        <p:cNvGrpSpPr/>
-        <p:nvPr/>
-      </p:nvGrpSpPr>
-      <p:grpSpPr>
-        <a:xfrm>
-          <a:off x="0" y="0"/>
-          <a:ext cx="0" cy="0"/>
-          <a:chOff x="0" y="0"/>
-          <a:chExt cx="0" cy="0"/>
-        </a:xfrm>
-      </p:grpSpPr>
-      <p:sp>
-        <p:nvSpPr>
-          <p:cNvPr id="2" name="Title 1">
-            <a:extLst>
-              <a:ext uri="{FF2B5EF4-FFF2-40B4-BE49-F238E27FC236}">
-                <a16:creationId xmlns:a16="http://schemas.microsoft.com/office/drawing/2014/main" id="{0B016452-6958-F274-F6BE-3675DC791C71}"/>
-              </a:ext>
-            </a:extLst>
-          </p:cNvPr>
-          <p:cNvSpPr>
-            <a:spLocks noGrp="1"/>
-          </p:cNvSpPr>
-          <p:nvPr>
-            <p:ph type="title"/>
-          </p:nvPr>
-        </p:nvSpPr>
-        <p:spPr/>
-        <p:txBody>
-          <a:bodyPr/>
-          <a:lstStyle/>
-          <a:p>
-            <a:r>
-              <a:rPr lang="en-US" dirty="0"/>
-              <a:t>Assembling</a:t>
-            </a:r>
-            <a:endParaRPr lang="en-GB" dirty="0"/>
-          </a:p>
-        </p:txBody>
-      </p:sp>
-      <p:sp>
-        <p:nvSpPr>
-          <p:cNvPr id="3" name="Content Placeholder 2">
-            <a:extLst>
-              <a:ext uri="{FF2B5EF4-FFF2-40B4-BE49-F238E27FC236}">
-                <a16:creationId xmlns:a16="http://schemas.microsoft.com/office/drawing/2014/main" id="{C1981E7B-A81A-57CE-1E46-88A03A8C879B}"/>
-              </a:ext>
-            </a:extLst>
-          </p:cNvPr>
-          <p:cNvSpPr>
-            <a:spLocks noGrp="1"/>
-          </p:cNvSpPr>
-          <p:nvPr>
-            <p:ph idx="1"/>
-          </p:nvPr>
-        </p:nvSpPr>
-        <p:spPr/>
-        <p:txBody>
-          <a:bodyPr/>
-          <a:lstStyle/>
-          <a:p>
-            <a:r>
-              <a:rPr lang="en-US" dirty="0"/>
-              <a:t>A hello world</a:t>
-            </a:r>
-          </a:p>
-        </p:txBody>
-      </p:sp>
-      <p:pic>
-        <p:nvPicPr>
-          <p:cNvPr id="7" name="Picture 6">
-            <a:extLst>
-              <a:ext uri="{FF2B5EF4-FFF2-40B4-BE49-F238E27FC236}">
-                <a16:creationId xmlns:a16="http://schemas.microsoft.com/office/drawing/2014/main" id="{E916376D-935F-4DBA-3FC0-D98E0FF74CCC}"/>
-              </a:ext>
-            </a:extLst>
-          </p:cNvPr>
-          <p:cNvPicPr>
-            <a:picLocks noChangeAspect="1"/>
-          </p:cNvPicPr>
-          <p:nvPr/>
-        </p:nvPicPr>
-        <p:blipFill>
-          <a:blip r:embed="rId2"/>
-          <a:stretch>
-            <a:fillRect/>
-          </a:stretch>
-        </p:blipFill>
-        <p:spPr>
-          <a:xfrm>
-            <a:off x="7584463" y="1825625"/>
-            <a:ext cx="4331564" cy="3470988"/>
-          </a:xfrm>
-          <a:prstGeom prst="rect">
-            <a:avLst/>
-          </a:prstGeom>
-        </p:spPr>
-      </p:pic>
-    </p:spTree>
-    <p:extLst>
-      <p:ext uri="{BB962C8B-B14F-4D97-AF65-F5344CB8AC3E}">
-        <p14:creationId xmlns:p14="http://schemas.microsoft.com/office/powerpoint/2010/main" val="3882698398"/>
       </p:ext>
     </p:extLst>
   </p:cSld>

--- a/Virtual Machines.pptx
+++ b/Virtual Machines.pptx
@@ -3858,7 +3858,7 @@
         </p:blipFill>
         <p:spPr>
           <a:xfrm>
-            <a:off x="6640982" y="1337827"/>
+            <a:off x="6599037" y="1392124"/>
             <a:ext cx="5421709" cy="5353273"/>
           </a:xfrm>
           <a:prstGeom prst="rect">
@@ -4322,32 +4322,8 @@
           </a:p>
           <a:p>
             <a:r>
-              <a:rPr lang="nl-NL" dirty="0" err="1"/>
-              <a:t>generic</a:t>
-            </a:r>
-            <a:r>
               <a:rPr lang="nl-NL" dirty="0"/>
-              <a:t> </a:t>
-            </a:r>
-            <a:r>
-              <a:rPr lang="nl-NL" dirty="0" err="1"/>
-              <a:t>function</a:t>
-            </a:r>
-            <a:r>
-              <a:rPr lang="nl-NL" dirty="0"/>
-              <a:t> </a:t>
-            </a:r>
-            <a:r>
-              <a:rPr lang="nl-NL" dirty="0" err="1"/>
-              <a:t>for</a:t>
-            </a:r>
-            <a:r>
-              <a:rPr lang="nl-NL" dirty="0"/>
-              <a:t> </a:t>
-            </a:r>
-            <a:r>
-              <a:rPr lang="nl-NL" dirty="0" err="1"/>
-              <a:t>decoding</a:t>
+              <a:t>function templates for decoding</a:t>
             </a:r>
             <a:endParaRPr lang="en-GB" dirty="0"/>
           </a:p>
@@ -4475,23 +4451,7 @@
           <a:p>
             <a:r>
               <a:rPr lang="nl-NL" dirty="0"/>
-              <a:t>logic of </a:t>
-            </a:r>
-            <a:r>
-              <a:rPr lang="nl-NL" dirty="0" err="1"/>
-              <a:t>the</a:t>
-            </a:r>
-            <a:r>
-              <a:rPr lang="nl-NL" dirty="0"/>
-              <a:t> </a:t>
-            </a:r>
-            <a:r>
-              <a:rPr lang="nl-NL" dirty="0" err="1"/>
-              <a:t>bitwise</a:t>
-            </a:r>
-            <a:r>
-              <a:rPr lang="nl-NL" dirty="0"/>
-              <a:t> AND</a:t>
+              <a:t>implemnetation of the bitwise AND</a:t>
             </a:r>
             <a:endParaRPr lang="en-GB" dirty="0"/>
           </a:p>
